--- a/Redirection.pptx
+++ b/Redirection.pptx
@@ -126,6 +126,22 @@
       </a:defRPr>
     </a:lvl9pPr>
   </p:defaultTextStyle>
+  <p:extLst>
+    <p:ext uri="{EFAFB233-063F-42B5-8137-9DF3F51BA10A}">
+      <p15:sldGuideLst xmlns:p15="http://schemas.microsoft.com/office/powerpoint/2012/main">
+        <p15:guide id="1" orient="horz" pos="2160">
+          <p15:clr>
+            <a:srgbClr val="A4A3A4"/>
+          </p15:clr>
+        </p15:guide>
+        <p15:guide id="2" pos="2880">
+          <p15:clr>
+            <a:srgbClr val="A4A3A4"/>
+          </p15:clr>
+        </p15:guide>
+      </p15:sldGuideLst>
+    </p:ext>
+  </p:extLst>
 </p:presentation>
 </file>
 
@@ -211,7 +227,7 @@
           <a:p>
             <a:fld id="{E7F6F293-B0A4-4A96-AF2A-0C9C7638DEF5}" type="datetimeFigureOut">
               <a:rPr lang="zh-CN" altLang="en-US" smtClean="0"/>
-              <a:t>2018/11/29 Thursday</a:t>
+              <a:t>2018/11/30</a:t>
             </a:fld>
             <a:endParaRPr lang="zh-CN" altLang="en-US"/>
           </a:p>
@@ -275,38 +291,37 @@
           <a:p>
             <a:pPr lvl="0"/>
             <a:r>
-              <a:rPr lang="zh-CN" altLang="en-US" smtClean="0"/>
+              <a:rPr lang="zh-CN" altLang="en-US"/>
               <a:t>单击此处编辑母版文本样式</a:t>
             </a:r>
           </a:p>
           <a:p>
             <a:pPr lvl="1"/>
             <a:r>
-              <a:rPr lang="zh-CN" altLang="en-US" smtClean="0"/>
+              <a:rPr lang="zh-CN" altLang="en-US"/>
               <a:t>第二级</a:t>
             </a:r>
           </a:p>
           <a:p>
             <a:pPr lvl="2"/>
             <a:r>
-              <a:rPr lang="zh-CN" altLang="en-US" smtClean="0"/>
+              <a:rPr lang="zh-CN" altLang="en-US"/>
               <a:t>第三级</a:t>
             </a:r>
           </a:p>
           <a:p>
             <a:pPr lvl="3"/>
             <a:r>
-              <a:rPr lang="zh-CN" altLang="en-US" smtClean="0"/>
+              <a:rPr lang="zh-CN" altLang="en-US"/>
               <a:t>第四级</a:t>
             </a:r>
           </a:p>
           <a:p>
             <a:pPr lvl="4"/>
             <a:r>
-              <a:rPr lang="zh-CN" altLang="en-US" smtClean="0"/>
+              <a:rPr lang="zh-CN" altLang="en-US"/>
               <a:t>第五级</a:t>
             </a:r>
-            <a:endParaRPr lang="zh-CN" altLang="en-US"/>
           </a:p>
         </p:txBody>
       </p:sp>
@@ -524,46 +539,45 @@
           <a:lstStyle/>
           <a:p>
             <a:r>
-              <a:rPr lang="en-US" altLang="zh-CN" dirty="0" smtClean="0"/>
+              <a:rPr lang="en-US" altLang="zh-CN" dirty="0"/>
               <a:t>Suppression</a:t>
             </a:r>
             <a:r>
-              <a:rPr lang="zh-CN" altLang="en-US" dirty="0" smtClean="0"/>
+              <a:rPr lang="zh-CN" altLang="en-US" dirty="0"/>
               <a:t>的范围大概在</a:t>
             </a:r>
             <a:r>
-              <a:rPr lang="en-US" altLang="zh-CN" dirty="0" smtClean="0"/>
+              <a:rPr lang="en-US" altLang="zh-CN" dirty="0"/>
               <a:t>100ms</a:t>
             </a:r>
             <a:r>
-              <a:rPr lang="zh-CN" altLang="en-US" dirty="0" smtClean="0"/>
+              <a:rPr lang="zh-CN" altLang="en-US" dirty="0"/>
               <a:t>。眼球捕捉，</a:t>
             </a:r>
             <a:r>
-              <a:rPr lang="en-US" altLang="zh-CN" dirty="0" smtClean="0"/>
+              <a:rPr lang="en-US" altLang="zh-CN" dirty="0"/>
               <a:t>VR</a:t>
             </a:r>
             <a:r>
-              <a:rPr lang="zh-CN" altLang="en-US" dirty="0" smtClean="0"/>
+              <a:rPr lang="zh-CN" altLang="en-US" dirty="0"/>
               <a:t>渲染的延迟大概在</a:t>
             </a:r>
             <a:r>
-              <a:rPr lang="en-US" altLang="zh-CN" dirty="0" smtClean="0"/>
+              <a:rPr lang="en-US" altLang="zh-CN" dirty="0"/>
               <a:t>35ms.</a:t>
             </a:r>
             <a:r>
-              <a:rPr lang="zh-CN" altLang="en-US" dirty="0" smtClean="0"/>
+              <a:rPr lang="zh-CN" altLang="en-US" dirty="0"/>
               <a:t>所以在</a:t>
             </a:r>
             <a:r>
-              <a:rPr lang="en-US" altLang="zh-CN" dirty="0" err="1" smtClean="0"/>
+              <a:rPr lang="en-US" altLang="zh-CN" dirty="0" err="1"/>
               <a:t>supression</a:t>
             </a:r>
             <a:r>
-              <a:rPr lang="zh-CN" altLang="en-US" dirty="0" smtClean="0"/>
+              <a:rPr lang="zh-CN" altLang="en-US" dirty="0"/>
               <a:t>期间进行重定向完全是可行的。</a:t>
             </a:r>
-            <a:endParaRPr lang="zh-CN" altLang="en-US" dirty="0"/>
           </a:p>
         </p:txBody>
       </p:sp>
@@ -648,7 +662,7 @@
           <a:lstStyle/>
           <a:p>
             <a:r>
-              <a:rPr lang="en-US" altLang="zh-CN" sz="1200" b="0" i="0" kern="1200" dirty="0" err="1" smtClean="0">
+              <a:rPr lang="en-US" altLang="zh-CN" sz="1200" b="0" i="0" kern="1200" dirty="0" err="1">
                 <a:solidFill>
                   <a:schemeClr val="tx1"/>
                 </a:solidFill>
@@ -660,7 +674,7 @@
               <a:t>Mipmap</a:t>
             </a:r>
             <a:r>
-              <a:rPr lang="zh-CN" altLang="en-US" sz="1200" b="0" i="0" kern="1200" dirty="0" smtClean="0">
+              <a:rPr lang="zh-CN" altLang="en-US" sz="1200" b="0" i="0" kern="1200" dirty="0">
                 <a:solidFill>
                   <a:schemeClr val="tx1"/>
                 </a:solidFill>
@@ -672,7 +686,7 @@
               <a:t>中每一个层级的小图都是主图的一个特定比例的缩小细节的复制品。虽然在某些必要的视角，主图仍然会被使用，来渲染完整的细节。但是当贴图被缩小或者只需要从远距离观看时，</a:t>
             </a:r>
             <a:r>
-              <a:rPr lang="en-US" altLang="zh-CN" sz="1200" b="0" i="0" kern="1200" dirty="0" err="1" smtClean="0">
+              <a:rPr lang="en-US" altLang="zh-CN" sz="1200" b="0" i="0" kern="1200" dirty="0" err="1">
                 <a:solidFill>
                   <a:schemeClr val="tx1"/>
                 </a:solidFill>
@@ -684,7 +698,7 @@
               <a:t>mipmap</a:t>
             </a:r>
             <a:r>
-              <a:rPr lang="zh-CN" altLang="en-US" sz="1200" b="0" i="0" kern="1200" dirty="0" smtClean="0">
+              <a:rPr lang="zh-CN" altLang="en-US" sz="1200" b="0" i="0" kern="1200" dirty="0">
                 <a:solidFill>
                   <a:schemeClr val="tx1"/>
                 </a:solidFill>
@@ -797,51 +811,51 @@
               <a:defRPr/>
             </a:pPr>
             <a:r>
-              <a:rPr lang="en-US" altLang="zh-CN" dirty="0" smtClean="0"/>
+              <a:rPr lang="en-US" altLang="zh-CN" dirty="0"/>
               <a:t>P</a:t>
             </a:r>
             <a:r>
-              <a:rPr lang="zh-CN" altLang="en-US" dirty="0" smtClean="0"/>
+              <a:rPr lang="zh-CN" altLang="en-US" dirty="0"/>
               <a:t>是时间到物理位置的映射</a:t>
             </a:r>
             <a:r>
-              <a:rPr lang="zh-CN" altLang="en-US" baseline="0" dirty="0" smtClean="0"/>
+              <a:rPr lang="zh-CN" altLang="en-US" baseline="0" dirty="0"/>
               <a:t>  </a:t>
             </a:r>
             <a:r>
-              <a:rPr lang="en-US" altLang="zh-CN" baseline="0" dirty="0" err="1" smtClean="0"/>
+              <a:rPr lang="en-US" altLang="zh-CN" baseline="0" dirty="0" err="1"/>
               <a:t>Pv</a:t>
             </a:r>
             <a:r>
-              <a:rPr lang="zh-CN" altLang="en-US" baseline="0" dirty="0" smtClean="0"/>
+              <a:rPr lang="zh-CN" altLang="en-US" baseline="0" dirty="0"/>
               <a:t>是没有重定向的路径，</a:t>
             </a:r>
             <a:r>
-              <a:rPr lang="en-US" altLang="zh-CN" baseline="0" dirty="0" err="1" smtClean="0"/>
+              <a:rPr lang="en-US" altLang="zh-CN" baseline="0" dirty="0" err="1"/>
               <a:t>Pr</a:t>
             </a:r>
             <a:r>
-              <a:rPr lang="zh-CN" altLang="en-US" baseline="0" dirty="0" smtClean="0"/>
+              <a:rPr lang="zh-CN" altLang="en-US" baseline="0" dirty="0"/>
               <a:t>是有重定向的路径。</a:t>
             </a:r>
             <a:r>
-              <a:rPr lang="en-US" altLang="zh-CN" baseline="0" dirty="0" smtClean="0"/>
+              <a:rPr lang="en-US" altLang="zh-CN" baseline="0" dirty="0"/>
               <a:t>Min</a:t>
             </a:r>
             <a:r>
-              <a:rPr lang="zh-CN" altLang="en-US" baseline="0" dirty="0" smtClean="0"/>
+              <a:rPr lang="zh-CN" altLang="en-US" baseline="0" dirty="0"/>
               <a:t>是找到外部或内部边界线段</a:t>
             </a:r>
             <a:r>
-              <a:rPr lang="en-US" altLang="zh-CN" baseline="0" dirty="0" smtClean="0"/>
+              <a:rPr lang="en-US" altLang="zh-CN" baseline="0" dirty="0"/>
               <a:t>l</a:t>
             </a:r>
             <a:r>
-              <a:rPr lang="zh-CN" altLang="en-US" baseline="0" dirty="0" smtClean="0"/>
+              <a:rPr lang="zh-CN" altLang="en-US" baseline="0" dirty="0"/>
               <a:t>与实际用户位置之间的非负符号距离</a:t>
             </a:r>
             <a:r>
-              <a:rPr lang="en-US" altLang="zh-CN" baseline="0" dirty="0" smtClean="0"/>
+              <a:rPr lang="en-US" altLang="zh-CN" baseline="0" dirty="0"/>
               <a:t>ds</a:t>
             </a:r>
           </a:p>
@@ -864,10 +878,9 @@
               <a:defRPr/>
             </a:pPr>
             <a:r>
-              <a:rPr lang="zh-CN" altLang="en-US" dirty="0" smtClean="0"/>
+              <a:rPr lang="zh-CN" altLang="en-US" dirty="0"/>
               <a:t>由于我们使用仅限头部增益的节省作为基线，</a:t>
             </a:r>
-            <a:endParaRPr lang="zh-CN" altLang="en-US" dirty="0"/>
           </a:p>
         </p:txBody>
       </p:sp>
@@ -952,47 +965,47 @@
           <a:lstStyle/>
           <a:p>
             <a:r>
-              <a:rPr lang="en-US" altLang="zh-CN" dirty="0" smtClean="0"/>
+              <a:rPr lang="en-US" altLang="zh-CN" dirty="0"/>
               <a:t>P</a:t>
             </a:r>
             <a:r>
-              <a:rPr lang="zh-CN" altLang="en-US" dirty="0" smtClean="0"/>
+              <a:rPr lang="zh-CN" altLang="en-US" dirty="0"/>
               <a:t>是时间到物理位置的映射</a:t>
             </a:r>
             <a:r>
-              <a:rPr lang="zh-CN" altLang="en-US" baseline="0" dirty="0" smtClean="0"/>
+              <a:rPr lang="zh-CN" altLang="en-US" baseline="0" dirty="0"/>
               <a:t>  </a:t>
             </a:r>
             <a:r>
-              <a:rPr lang="en-US" altLang="zh-CN" baseline="0" dirty="0" err="1" smtClean="0"/>
+              <a:rPr lang="en-US" altLang="zh-CN" baseline="0" dirty="0" err="1"/>
               <a:t>Pv</a:t>
             </a:r>
             <a:r>
-              <a:rPr lang="zh-CN" altLang="en-US" baseline="0" dirty="0" smtClean="0"/>
+              <a:rPr lang="zh-CN" altLang="en-US" baseline="0" dirty="0"/>
               <a:t>是没有重定向的路径，</a:t>
             </a:r>
             <a:r>
-              <a:rPr lang="en-US" altLang="zh-CN" baseline="0" dirty="0" err="1" smtClean="0"/>
+              <a:rPr lang="en-US" altLang="zh-CN" baseline="0" dirty="0" err="1"/>
               <a:t>Pr</a:t>
             </a:r>
             <a:r>
-              <a:rPr lang="zh-CN" altLang="en-US" baseline="0" dirty="0" smtClean="0"/>
+              <a:rPr lang="zh-CN" altLang="en-US" baseline="0" dirty="0"/>
               <a:t>是有重定向的路径。</a:t>
             </a:r>
             <a:r>
-              <a:rPr lang="en-US" altLang="zh-CN" baseline="0" dirty="0" smtClean="0"/>
+              <a:rPr lang="en-US" altLang="zh-CN" baseline="0" dirty="0"/>
               <a:t>Min</a:t>
             </a:r>
             <a:r>
-              <a:rPr lang="zh-CN" altLang="en-US" baseline="0" dirty="0" smtClean="0"/>
+              <a:rPr lang="zh-CN" altLang="en-US" baseline="0" dirty="0"/>
               <a:t>是找到</a:t>
             </a:r>
             <a:r>
-              <a:rPr lang="en-US" altLang="zh-CN" baseline="0" dirty="0" smtClean="0"/>
+              <a:rPr lang="en-US" altLang="zh-CN" baseline="0" dirty="0"/>
               <a:t>l</a:t>
             </a:r>
             <a:r>
-              <a:rPr lang="zh-CN" altLang="en-US" baseline="0" dirty="0" smtClean="0"/>
+              <a:rPr lang="zh-CN" altLang="en-US" baseline="0" dirty="0"/>
               <a:t>（内外边界）和用户位置之间的最小非负距离</a:t>
             </a:r>
             <a:endParaRPr lang="zh-CN" altLang="en-US" dirty="0"/>
@@ -1097,15 +1110,15 @@
               <a:defRPr/>
             </a:pPr>
             <a:r>
-              <a:rPr lang="zh-CN" altLang="en-US" dirty="0" smtClean="0"/>
+              <a:rPr lang="zh-CN" altLang="en-US" dirty="0"/>
               <a:t>大多数人报告他们在不断移动的同时专注于任务对象检索</a:t>
             </a:r>
             <a:r>
-              <a:rPr lang="en-US" altLang="zh-CN" dirty="0" smtClean="0"/>
+              <a:rPr lang="en-US" altLang="zh-CN" dirty="0"/>
               <a:t>,</a:t>
             </a:r>
             <a:r>
-              <a:rPr lang="zh-CN" altLang="en-US" dirty="0" smtClean="0"/>
+              <a:rPr lang="zh-CN" altLang="en-US" dirty="0"/>
               <a:t>没有注意图像内容的变化</a:t>
             </a:r>
           </a:p>
@@ -1195,45 +1208,44 @@
           <a:lstStyle/>
           <a:p>
             <a:r>
-              <a:rPr lang="zh-CN" altLang="en-US" dirty="0" smtClean="0"/>
+              <a:rPr lang="zh-CN" altLang="en-US" dirty="0"/>
               <a:t>图像</a:t>
             </a:r>
             <a:r>
-              <a:rPr lang="en-US" altLang="zh-CN" dirty="0" smtClean="0"/>
+              <a:rPr lang="en-US" altLang="zh-CN" dirty="0"/>
               <a:t>SGD</a:t>
             </a:r>
             <a:r>
-              <a:rPr lang="zh-CN" altLang="en-US" dirty="0" smtClean="0"/>
+              <a:rPr lang="zh-CN" altLang="en-US" dirty="0"/>
               <a:t>效果比</a:t>
             </a:r>
             <a:r>
-              <a:rPr lang="en-US" altLang="zh-CN" dirty="0" smtClean="0"/>
+              <a:rPr lang="en-US" altLang="zh-CN" dirty="0"/>
               <a:t>OBJ</a:t>
             </a:r>
             <a:r>
-              <a:rPr lang="en-US" altLang="zh-CN" baseline="0" dirty="0" smtClean="0"/>
+              <a:rPr lang="en-US" altLang="zh-CN" baseline="0" dirty="0"/>
               <a:t>  SGD</a:t>
             </a:r>
             <a:r>
-              <a:rPr lang="zh-CN" altLang="en-US" baseline="0" dirty="0" smtClean="0"/>
+              <a:rPr lang="zh-CN" altLang="en-US" baseline="0" dirty="0"/>
               <a:t>效果要差。</a:t>
             </a:r>
-            <a:endParaRPr lang="en-US" altLang="zh-CN" dirty="0" smtClean="0"/>
-          </a:p>
-          <a:p>
-            <a:r>
-              <a:rPr lang="zh-CN" altLang="en-US" dirty="0" smtClean="0"/>
+            <a:endParaRPr lang="en-US" altLang="zh-CN" dirty="0"/>
+          </a:p>
+          <a:p>
+            <a:r>
+              <a:rPr lang="zh-CN" altLang="en-US" dirty="0"/>
               <a:t>但是如果具有与图像</a:t>
             </a:r>
             <a:r>
-              <a:rPr lang="en-US" altLang="zh-CN" dirty="0" smtClean="0"/>
+              <a:rPr lang="en-US" altLang="zh-CN" dirty="0"/>
               <a:t>SGD</a:t>
             </a:r>
             <a:r>
-              <a:rPr lang="zh-CN" altLang="en-US" dirty="0" smtClean="0"/>
+              <a:rPr lang="zh-CN" altLang="en-US" dirty="0"/>
               <a:t>类似的闪烁外观的任务对象可能触发更多的扫视。</a:t>
             </a:r>
-            <a:endParaRPr lang="zh-CN" altLang="en-US" dirty="0"/>
           </a:p>
         </p:txBody>
       </p:sp>
@@ -1318,7 +1330,7 @@
           <a:lstStyle/>
           <a:p>
             <a:r>
-              <a:rPr lang="en-US" altLang="zh-CN" sz="1200" b="0" i="0" u="none" strike="noStrike" kern="1200" baseline="0" dirty="0" smtClean="0">
+              <a:rPr lang="en-US" altLang="zh-CN" sz="1200" b="0" i="0" u="none" strike="noStrike" kern="1200" baseline="0" dirty="0">
                 <a:solidFill>
                   <a:schemeClr val="tx1"/>
                 </a:solidFill>
@@ -1331,7 +1343,7 @@
           </a:p>
           <a:p>
             <a:r>
-              <a:rPr lang="en-US" altLang="zh-CN" sz="1200" b="0" i="0" u="none" strike="noStrike" kern="1200" baseline="0" dirty="0" smtClean="0">
+              <a:rPr lang="en-US" altLang="zh-CN" sz="1200" b="0" i="0" u="none" strike="noStrike" kern="1200" baseline="0" dirty="0">
                 <a:solidFill>
                   <a:schemeClr val="tx1"/>
                 </a:solidFill>
@@ -1510,27 +1522,27 @@
           <a:lstStyle/>
           <a:p>
             <a:r>
-              <a:rPr lang="zh-CN" altLang="en-US" dirty="0" smtClean="0"/>
+              <a:rPr lang="zh-CN" altLang="en-US" dirty="0"/>
               <a:t>本次实验，确定</a:t>
             </a:r>
             <a:r>
-              <a:rPr lang="en-US" altLang="zh-CN" dirty="0" smtClean="0"/>
+              <a:rPr lang="en-US" altLang="zh-CN" dirty="0"/>
               <a:t>180°</a:t>
             </a:r>
             <a:r>
-              <a:rPr lang="zh-CN" altLang="en-US" dirty="0" smtClean="0"/>
+              <a:rPr lang="zh-CN" altLang="en-US" dirty="0"/>
               <a:t>为扫视速度。</a:t>
             </a:r>
             <a:r>
-              <a:rPr lang="en-US" altLang="zh-CN" dirty="0" smtClean="0"/>
+              <a:rPr lang="en-US" altLang="zh-CN" dirty="0"/>
               <a:t>12.6°/sec</a:t>
             </a:r>
             <a:r>
-              <a:rPr lang="zh-CN" altLang="en-US" dirty="0" smtClean="0"/>
+              <a:rPr lang="zh-CN" altLang="en-US" dirty="0"/>
               <a:t>为察觉上限。</a:t>
             </a:r>
             <a:r>
-              <a:rPr lang="en-US" altLang="zh-CN" sz="1200" b="0" i="0" u="none" strike="noStrike" kern="1200" baseline="0" dirty="0" smtClean="0">
+              <a:rPr lang="en-US" altLang="zh-CN" sz="1200" b="0" i="0" u="none" strike="noStrike" kern="1200" baseline="0" dirty="0">
                 <a:solidFill>
                   <a:schemeClr val="tx1"/>
                 </a:solidFill>
@@ -1625,35 +1637,35 @@
           <a:lstStyle/>
           <a:p>
             <a:r>
-              <a:rPr lang="zh-CN" altLang="en-US" dirty="0" smtClean="0"/>
+              <a:rPr lang="zh-CN" altLang="en-US" dirty="0"/>
               <a:t>首先检测扫视。然后调用</a:t>
             </a:r>
             <a:r>
-              <a:rPr lang="en-US" altLang="zh-CN" dirty="0" smtClean="0"/>
+              <a:rPr lang="en-US" altLang="zh-CN" dirty="0"/>
               <a:t>dynamic</a:t>
             </a:r>
             <a:r>
-              <a:rPr lang="en-US" altLang="zh-CN" baseline="0" dirty="0" smtClean="0"/>
+              <a:rPr lang="en-US" altLang="zh-CN" baseline="0" dirty="0"/>
               <a:t> path planning </a:t>
             </a:r>
             <a:r>
-              <a:rPr lang="en-US" altLang="zh-CN" baseline="0" dirty="0" err="1" smtClean="0"/>
+              <a:rPr lang="en-US" altLang="zh-CN" baseline="0" dirty="0" err="1"/>
               <a:t>algorighm</a:t>
             </a:r>
             <a:r>
-              <a:rPr lang="en-US" altLang="zh-CN" baseline="0" dirty="0" smtClean="0"/>
+              <a:rPr lang="en-US" altLang="zh-CN" baseline="0" dirty="0"/>
               <a:t>. </a:t>
             </a:r>
             <a:r>
-              <a:rPr lang="zh-CN" altLang="en-US" baseline="0" dirty="0" smtClean="0"/>
+              <a:rPr lang="zh-CN" altLang="en-US" baseline="0" dirty="0"/>
               <a:t>这个算法我们分摊</a:t>
             </a:r>
             <a:r>
-              <a:rPr lang="en-US" altLang="zh-CN" baseline="0" dirty="0" smtClean="0"/>
+              <a:rPr lang="en-US" altLang="zh-CN" baseline="0" dirty="0"/>
               <a:t>2-5</a:t>
             </a:r>
             <a:r>
-              <a:rPr lang="zh-CN" altLang="en-US" baseline="0" dirty="0" smtClean="0"/>
+              <a:rPr lang="zh-CN" altLang="en-US" baseline="0" dirty="0"/>
               <a:t>帧以保持实时性能。</a:t>
             </a:r>
             <a:endParaRPr lang="zh-CN" altLang="en-US" dirty="0"/>
@@ -1741,35 +1753,35 @@
           <a:lstStyle/>
           <a:p>
             <a:r>
-              <a:rPr lang="zh-CN" altLang="en-US" dirty="0" smtClean="0"/>
+              <a:rPr lang="zh-CN" altLang="en-US" dirty="0"/>
               <a:t>首先检测扫视。然后调用</a:t>
             </a:r>
             <a:r>
-              <a:rPr lang="en-US" altLang="zh-CN" dirty="0" smtClean="0"/>
+              <a:rPr lang="en-US" altLang="zh-CN" dirty="0"/>
               <a:t>dynamic</a:t>
             </a:r>
             <a:r>
-              <a:rPr lang="en-US" altLang="zh-CN" baseline="0" dirty="0" smtClean="0"/>
+              <a:rPr lang="en-US" altLang="zh-CN" baseline="0" dirty="0"/>
               <a:t> path planning </a:t>
             </a:r>
             <a:r>
-              <a:rPr lang="en-US" altLang="zh-CN" baseline="0" dirty="0" err="1" smtClean="0"/>
+              <a:rPr lang="en-US" altLang="zh-CN" baseline="0" dirty="0" err="1"/>
               <a:t>algorighm</a:t>
             </a:r>
             <a:r>
-              <a:rPr lang="en-US" altLang="zh-CN" baseline="0" dirty="0" smtClean="0"/>
+              <a:rPr lang="en-US" altLang="zh-CN" baseline="0" dirty="0"/>
               <a:t>. </a:t>
             </a:r>
             <a:r>
-              <a:rPr lang="zh-CN" altLang="en-US" baseline="0" dirty="0" smtClean="0"/>
+              <a:rPr lang="zh-CN" altLang="en-US" baseline="0" dirty="0"/>
               <a:t>这个算法我们分摊</a:t>
             </a:r>
             <a:r>
-              <a:rPr lang="en-US" altLang="zh-CN" baseline="0" dirty="0" smtClean="0"/>
+              <a:rPr lang="en-US" altLang="zh-CN" baseline="0" dirty="0"/>
               <a:t>2-5</a:t>
             </a:r>
             <a:r>
-              <a:rPr lang="zh-CN" altLang="en-US" baseline="0" dirty="0" smtClean="0"/>
+              <a:rPr lang="zh-CN" altLang="en-US" baseline="0" dirty="0"/>
               <a:t>帧以保持实时性能。</a:t>
             </a:r>
             <a:endParaRPr lang="zh-CN" altLang="en-US" dirty="0"/>
@@ -1941,7 +1953,7 @@
           <a:lstStyle/>
           <a:p>
             <a:r>
-              <a:rPr lang="zh-CN" altLang="en-US" sz="1200" b="0" i="0" u="none" strike="noStrike" kern="1200" baseline="0" dirty="0" smtClean="0">
+              <a:rPr lang="zh-CN" altLang="en-US" sz="1200" b="0" i="0" u="none" strike="noStrike" kern="1200" baseline="0" dirty="0">
                 <a:solidFill>
                   <a:schemeClr val="tx1"/>
                 </a:solidFill>
@@ -1951,7 +1963,7 @@
               </a:rPr>
               <a:t>实时采样机制，强调近的，可见的，在摄像机视野里的区域。来预测可能性。</a:t>
             </a:r>
-            <a:endParaRPr lang="en-US" altLang="zh-CN" sz="1200" b="0" i="0" u="none" strike="noStrike" kern="1200" baseline="0" dirty="0" smtClean="0">
+            <a:endParaRPr lang="en-US" altLang="zh-CN" sz="1200" b="0" i="0" u="none" strike="noStrike" kern="1200" baseline="0" dirty="0">
               <a:solidFill>
                 <a:schemeClr val="tx1"/>
               </a:solidFill>
@@ -1962,7 +1974,7 @@
           </a:p>
           <a:p>
             <a:r>
-              <a:rPr lang="el-GR" altLang="zh-CN" sz="1200" b="0" i="0" u="none" strike="noStrike" kern="1200" baseline="0" dirty="0" smtClean="0">
+              <a:rPr lang="el-GR" altLang="zh-CN" sz="1200" b="0" i="0" u="none" strike="noStrike" kern="1200" baseline="0" dirty="0">
                 <a:solidFill>
                   <a:schemeClr val="tx1"/>
                 </a:solidFill>
@@ -1973,7 +1985,7 @@
               <a:t>Θ</a:t>
             </a:r>
             <a:r>
-              <a:rPr lang="en-US" altLang="zh-CN" sz="1200" b="0" i="0" u="none" strike="noStrike" kern="1200" baseline="0" dirty="0" smtClean="0">
+              <a:rPr lang="en-US" altLang="zh-CN" sz="1200" b="0" i="0" u="none" strike="noStrike" kern="1200" baseline="0" dirty="0">
                 <a:solidFill>
                   <a:schemeClr val="tx1"/>
                 </a:solidFill>
@@ -1984,7 +1996,7 @@
               <a:t>c</a:t>
             </a:r>
             <a:r>
-              <a:rPr lang="zh-CN" altLang="en-US" sz="1200" b="0" i="0" u="none" strike="noStrike" kern="1200" baseline="0" dirty="0" smtClean="0">
+              <a:rPr lang="zh-CN" altLang="en-US" sz="1200" b="0" i="0" u="none" strike="noStrike" kern="1200" baseline="0" dirty="0">
                 <a:solidFill>
                   <a:schemeClr val="tx1"/>
                 </a:solidFill>
@@ -1995,7 +2007,7 @@
               <a:t>是用户现在摄像机的方向  </a:t>
             </a:r>
             <a:r>
-              <a:rPr lang="el-GR" altLang="zh-CN" sz="1200" b="0" i="0" u="none" strike="noStrike" kern="1200" baseline="0" dirty="0" smtClean="0">
+              <a:rPr lang="el-GR" altLang="zh-CN" sz="1200" b="0" i="0" u="none" strike="noStrike" kern="1200" baseline="0" dirty="0">
                 <a:solidFill>
                   <a:schemeClr val="tx1"/>
                 </a:solidFill>
@@ -2006,7 +2018,7 @@
               <a:t>α</a:t>
             </a:r>
             <a:r>
-              <a:rPr lang="en-US" altLang="zh-CN" sz="1200" b="0" i="0" u="none" strike="noStrike" kern="1200" baseline="0" dirty="0" err="1" smtClean="0">
+              <a:rPr lang="en-US" altLang="zh-CN" sz="1200" b="0" i="0" u="none" strike="noStrike" kern="1200" baseline="0" dirty="0" err="1">
                 <a:solidFill>
                   <a:schemeClr val="tx1"/>
                 </a:solidFill>
@@ -2017,7 +2029,7 @@
               <a:t>ri</a:t>
             </a:r>
             <a:r>
-              <a:rPr lang="en-US" altLang="zh-CN" sz="1200" b="0" i="0" u="none" strike="noStrike" kern="1200" baseline="0" dirty="0" smtClean="0">
+              <a:rPr lang="en-US" altLang="zh-CN" sz="1200" b="0" i="0" u="none" strike="noStrike" kern="1200" baseline="0" dirty="0">
                 <a:solidFill>
                   <a:schemeClr val="tx1"/>
                 </a:solidFill>
@@ -2028,7 +2040,7 @@
               <a:t> ∈{0,1,2}</a:t>
             </a:r>
             <a:r>
-              <a:rPr lang="zh-CN" altLang="en-US" sz="1200" b="0" i="0" u="none" strike="noStrike" kern="1200" baseline="0" dirty="0" smtClean="0">
+              <a:rPr lang="zh-CN" altLang="en-US" sz="1200" b="0" i="0" u="none" strike="noStrike" kern="1200" baseline="0" dirty="0">
                 <a:solidFill>
                   <a:schemeClr val="tx1"/>
                 </a:solidFill>
@@ -2039,7 +2051,7 @@
               <a:t>和</a:t>
             </a:r>
             <a:r>
-              <a:rPr lang="el-GR" altLang="zh-CN" sz="1200" b="0" i="0" u="none" strike="noStrike" kern="1200" baseline="0" dirty="0" smtClean="0">
+              <a:rPr lang="el-GR" altLang="zh-CN" sz="1200" b="0" i="0" u="none" strike="noStrike" kern="1200" baseline="0" dirty="0">
                 <a:solidFill>
                   <a:schemeClr val="tx1"/>
                 </a:solidFill>
@@ -2050,7 +2062,7 @@
               <a:t>α</a:t>
             </a:r>
             <a:r>
-              <a:rPr lang="en-US" altLang="zh-CN" sz="1200" b="0" i="0" u="none" strike="noStrike" kern="1200" baseline="0" dirty="0" err="1" smtClean="0">
+              <a:rPr lang="en-US" altLang="zh-CN" sz="1200" b="0" i="0" u="none" strike="noStrike" kern="1200" baseline="0" dirty="0" err="1">
                 <a:solidFill>
                   <a:schemeClr val="tx1"/>
                 </a:solidFill>
@@ -2061,7 +2073,7 @@
               <a:t>ai</a:t>
             </a:r>
             <a:r>
-              <a:rPr lang="en-US" altLang="zh-CN" sz="1200" b="0" i="0" u="none" strike="noStrike" kern="1200" baseline="0" dirty="0" smtClean="0">
+              <a:rPr lang="en-US" altLang="zh-CN" sz="1200" b="0" i="0" u="none" strike="noStrike" kern="1200" baseline="0" dirty="0">
                 <a:solidFill>
                   <a:schemeClr val="tx1"/>
                 </a:solidFill>
@@ -2072,7 +2084,7 @@
               <a:t> ∈{0,1,2}</a:t>
             </a:r>
             <a:r>
-              <a:rPr lang="zh-CN" altLang="en-US" sz="1200" b="0" i="0" u="none" strike="noStrike" kern="1200" baseline="0" dirty="0" smtClean="0">
+              <a:rPr lang="zh-CN" altLang="en-US" sz="1200" b="0" i="0" u="none" strike="noStrike" kern="1200" baseline="0" dirty="0">
                 <a:solidFill>
                   <a:schemeClr val="tx1"/>
                 </a:solidFill>
@@ -2083,7 +2095,7 @@
               <a:t>都是适应房间大小的参数</a:t>
             </a:r>
             <a:r>
-              <a:rPr lang="en-US" altLang="zh-CN" sz="1200" b="0" i="0" u="none" strike="noStrike" kern="1200" baseline="0" dirty="0" smtClean="0">
+              <a:rPr lang="en-US" altLang="zh-CN" sz="1200" b="0" i="0" u="none" strike="noStrike" kern="1200" baseline="0" dirty="0">
                 <a:solidFill>
                   <a:schemeClr val="tx1"/>
                 </a:solidFill>
@@ -2094,7 +2106,7 @@
               <a:t> </a:t>
             </a:r>
             <a:r>
-              <a:rPr lang="el-GR" altLang="zh-CN" sz="1200" b="0" i="0" u="none" strike="noStrike" kern="1200" baseline="0" dirty="0" smtClean="0">
+              <a:rPr lang="el-GR" altLang="zh-CN" sz="1200" b="0" i="0" u="none" strike="noStrike" kern="1200" baseline="0" dirty="0">
                 <a:solidFill>
                   <a:schemeClr val="tx1"/>
                 </a:solidFill>
@@ -2105,7 +2117,7 @@
               <a:t>α</a:t>
             </a:r>
             <a:r>
-              <a:rPr lang="en-US" altLang="zh-CN" sz="1200" b="0" i="0" u="none" strike="noStrike" kern="1200" baseline="0" dirty="0" smtClean="0">
+              <a:rPr lang="en-US" altLang="zh-CN" sz="1200" b="0" i="0" u="none" strike="noStrike" kern="1200" baseline="0" dirty="0">
                 <a:solidFill>
                   <a:schemeClr val="tx1"/>
                 </a:solidFill>
@@ -2116,7 +2128,7 @@
               <a:t>o</a:t>
             </a:r>
             <a:r>
-              <a:rPr lang="zh-CN" altLang="en-US" sz="1200" b="0" i="0" u="none" strike="noStrike" kern="1200" baseline="0" dirty="0" smtClean="0">
+              <a:rPr lang="zh-CN" altLang="en-US" sz="1200" b="0" i="0" u="none" strike="noStrike" kern="1200" baseline="0" dirty="0">
                 <a:solidFill>
                   <a:schemeClr val="tx1"/>
                 </a:solidFill>
@@ -2126,7 +2138,7 @@
               </a:rPr>
               <a:t>是避免在不重要的地方零采样</a:t>
             </a:r>
-            <a:endParaRPr lang="en-US" altLang="zh-CN" sz="1200" b="0" i="0" u="none" strike="noStrike" kern="1200" baseline="0" dirty="0" smtClean="0">
+            <a:endParaRPr lang="en-US" altLang="zh-CN" sz="1200" b="0" i="0" u="none" strike="noStrike" kern="1200" baseline="0" dirty="0">
               <a:solidFill>
                 <a:schemeClr val="tx1"/>
               </a:solidFill>
@@ -2137,7 +2149,7 @@
           </a:p>
           <a:p>
             <a:r>
-              <a:rPr lang="zh-CN" altLang="en-US" sz="1200" b="0" i="0" u="none" strike="noStrike" kern="1200" baseline="0" dirty="0" smtClean="0">
+              <a:rPr lang="zh-CN" altLang="en-US" sz="1200" b="0" i="0" u="none" strike="noStrike" kern="1200" baseline="0" dirty="0">
                 <a:solidFill>
                   <a:schemeClr val="tx1"/>
                 </a:solidFill>
@@ -2148,7 +2160,7 @@
               <a:t>本次实验</a:t>
             </a:r>
             <a:r>
-              <a:rPr lang="en-US" altLang="zh-CN" sz="1200" b="0" i="0" u="none" strike="noStrike" kern="1200" baseline="0" dirty="0" err="1" smtClean="0">
+              <a:rPr lang="en-US" altLang="zh-CN" sz="1200" b="0" i="0" u="none" strike="noStrike" kern="1200" baseline="0" dirty="0" err="1">
                 <a:solidFill>
                   <a:schemeClr val="tx1"/>
                 </a:solidFill>
@@ -2159,7 +2171,7 @@
               <a:t>aro</a:t>
             </a:r>
             <a:r>
-              <a:rPr lang="en-US" altLang="zh-CN" sz="1200" b="0" i="0" u="none" strike="noStrike" kern="1200" baseline="0" dirty="0" smtClean="0">
+              <a:rPr lang="en-US" altLang="zh-CN" sz="1200" b="0" i="0" u="none" strike="noStrike" kern="1200" baseline="0" dirty="0">
                 <a:solidFill>
                   <a:schemeClr val="tx1"/>
                 </a:solidFill>
@@ -2253,165 +2265,164 @@
           <a:lstStyle/>
           <a:p>
             <a:r>
-              <a:rPr lang="zh-CN" altLang="en-US" dirty="0" smtClean="0"/>
+              <a:rPr lang="zh-CN" altLang="en-US" dirty="0"/>
               <a:t>得到采样点集</a:t>
             </a:r>
             <a:r>
-              <a:rPr lang="en-US" altLang="zh-CN" dirty="0" smtClean="0"/>
+              <a:rPr lang="en-US" altLang="zh-CN" dirty="0"/>
               <a:t>S</a:t>
             </a:r>
             <a:r>
-              <a:rPr lang="zh-CN" altLang="en-US" dirty="0" smtClean="0"/>
+              <a:rPr lang="zh-CN" altLang="en-US" dirty="0"/>
               <a:t>之后，使用边界函数来避免碰撞。</a:t>
             </a:r>
             <a:r>
-              <a:rPr lang="en-US" altLang="zh-CN" dirty="0" smtClean="0"/>
+              <a:rPr lang="en-US" altLang="zh-CN" dirty="0"/>
               <a:t>i</a:t>
             </a:r>
             <a:r>
-              <a:rPr lang="zh-CN" altLang="en-US" dirty="0" smtClean="0"/>
+              <a:rPr lang="zh-CN" altLang="en-US" dirty="0"/>
               <a:t>是第</a:t>
             </a:r>
             <a:r>
-              <a:rPr lang="en-US" altLang="zh-CN" dirty="0" smtClean="0"/>
+              <a:rPr lang="en-US" altLang="zh-CN" dirty="0"/>
               <a:t>i</a:t>
             </a:r>
             <a:r>
-              <a:rPr lang="zh-CN" altLang="en-US" dirty="0" smtClean="0"/>
+              <a:rPr lang="zh-CN" altLang="en-US" dirty="0"/>
               <a:t>个边界</a:t>
             </a:r>
             <a:r>
-              <a:rPr lang="en-US" altLang="zh-CN" dirty="0" smtClean="0"/>
+              <a:rPr lang="en-US" altLang="zh-CN" dirty="0"/>
               <a:t>d(</a:t>
             </a:r>
             <a:r>
-              <a:rPr lang="en-US" altLang="zh-CN" dirty="0" err="1" smtClean="0"/>
+              <a:rPr lang="en-US" altLang="zh-CN" dirty="0" err="1"/>
               <a:t>u,l</a:t>
             </a:r>
             <a:r>
-              <a:rPr lang="en-US" altLang="zh-CN" dirty="0" smtClean="0"/>
+              <a:rPr lang="en-US" altLang="zh-CN" dirty="0"/>
               <a:t>)</a:t>
             </a:r>
             <a:r>
-              <a:rPr lang="zh-CN" altLang="en-US" dirty="0" smtClean="0"/>
+              <a:rPr lang="zh-CN" altLang="en-US" dirty="0"/>
               <a:t>是用户真实位置</a:t>
             </a:r>
             <a:r>
-              <a:rPr lang="en-US" altLang="zh-CN" dirty="0" smtClean="0"/>
+              <a:rPr lang="en-US" altLang="zh-CN" dirty="0"/>
               <a:t>u</a:t>
             </a:r>
             <a:r>
-              <a:rPr lang="zh-CN" altLang="en-US" dirty="0" smtClean="0"/>
+              <a:rPr lang="zh-CN" altLang="en-US" dirty="0"/>
               <a:t>和边界</a:t>
             </a:r>
             <a:r>
-              <a:rPr lang="en-US" altLang="zh-CN" dirty="0" smtClean="0"/>
+              <a:rPr lang="en-US" altLang="zh-CN" dirty="0"/>
               <a:t>i</a:t>
             </a:r>
             <a:r>
-              <a:rPr lang="zh-CN" altLang="en-US" dirty="0" smtClean="0"/>
+              <a:rPr lang="zh-CN" altLang="en-US" dirty="0"/>
               <a:t>的距离。</a:t>
             </a:r>
-            <a:endParaRPr lang="en-US" altLang="zh-CN" dirty="0" smtClean="0"/>
-          </a:p>
-          <a:p>
-            <a:r>
-              <a:rPr lang="en-US" altLang="zh-CN" dirty="0" smtClean="0"/>
+            <a:endParaRPr lang="en-US" altLang="zh-CN" dirty="0"/>
+          </a:p>
+          <a:p>
+            <a:r>
+              <a:rPr lang="en-US" altLang="zh-CN" dirty="0"/>
               <a:t>U(x,t+1)</a:t>
             </a:r>
             <a:r>
-              <a:rPr lang="zh-CN" altLang="en-US" dirty="0" smtClean="0"/>
+              <a:rPr lang="zh-CN" altLang="en-US" dirty="0"/>
               <a:t>是等式</a:t>
             </a:r>
             <a:r>
-              <a:rPr lang="en-US" altLang="zh-CN" dirty="0" smtClean="0"/>
+              <a:rPr lang="en-US" altLang="zh-CN" dirty="0"/>
               <a:t>1</a:t>
             </a:r>
             <a:r>
-              <a:rPr lang="zh-CN" altLang="en-US" dirty="0" smtClean="0"/>
+              <a:rPr lang="zh-CN" altLang="en-US" dirty="0"/>
               <a:t>和</a:t>
             </a:r>
             <a:r>
-              <a:rPr lang="en-US" altLang="zh-CN" dirty="0" smtClean="0"/>
+              <a:rPr lang="en-US" altLang="zh-CN" dirty="0"/>
               <a:t>2</a:t>
             </a:r>
             <a:r>
-              <a:rPr lang="zh-CN" altLang="en-US" dirty="0" smtClean="0"/>
+              <a:rPr lang="zh-CN" altLang="en-US" dirty="0"/>
               <a:t>关于角度的函数</a:t>
             </a:r>
             <a:r>
-              <a:rPr lang="en-US" altLang="zh-CN" dirty="0" smtClean="0"/>
+              <a:rPr lang="en-US" altLang="zh-CN" dirty="0"/>
               <a:t>.</a:t>
             </a:r>
             <a:r>
-              <a:rPr lang="en-US" altLang="zh-CN" dirty="0" err="1" smtClean="0"/>
+              <a:rPr lang="en-US" altLang="zh-CN" dirty="0" err="1"/>
               <a:t>wb</a:t>
             </a:r>
             <a:r>
-              <a:rPr lang="zh-CN" altLang="en-US" dirty="0" smtClean="0"/>
+              <a:rPr lang="zh-CN" altLang="en-US" dirty="0"/>
               <a:t>权衡了</a:t>
             </a:r>
             <a:r>
-              <a:rPr lang="en-US" altLang="zh-CN" dirty="0" smtClean="0"/>
+              <a:rPr lang="en-US" altLang="zh-CN" dirty="0"/>
               <a:t>x</a:t>
             </a:r>
             <a:r>
-              <a:rPr lang="zh-CN" altLang="en-US" dirty="0" smtClean="0"/>
+              <a:rPr lang="zh-CN" altLang="en-US" dirty="0"/>
               <a:t>的对于边界碰撞躲避的重要性。对于距离用户更近的点</a:t>
             </a:r>
             <a:r>
-              <a:rPr lang="en-US" altLang="zh-CN" dirty="0" smtClean="0"/>
+              <a:rPr lang="en-US" altLang="zh-CN" dirty="0"/>
               <a:t>,</a:t>
             </a:r>
             <a:r>
-              <a:rPr lang="en-US" altLang="zh-CN" dirty="0" err="1" smtClean="0"/>
+              <a:rPr lang="en-US" altLang="zh-CN" dirty="0" err="1"/>
               <a:t>wb</a:t>
             </a:r>
             <a:r>
-              <a:rPr lang="zh-CN" altLang="en-US" dirty="0" smtClean="0"/>
+              <a:rPr lang="zh-CN" altLang="en-US" dirty="0"/>
               <a:t>应该越大，因为用户到的可能性更大。</a:t>
             </a:r>
             <a:r>
-              <a:rPr lang="en-US" altLang="zh-CN" dirty="0" smtClean="0"/>
+              <a:rPr lang="en-US" altLang="zh-CN" dirty="0"/>
               <a:t>A0b</a:t>
             </a:r>
             <a:r>
-              <a:rPr lang="zh-CN" altLang="en-US" dirty="0" smtClean="0"/>
+              <a:rPr lang="zh-CN" altLang="en-US" dirty="0"/>
               <a:t>是保证</a:t>
             </a:r>
             <a:r>
-              <a:rPr lang="en-US" altLang="zh-CN" dirty="0" err="1" smtClean="0"/>
+              <a:rPr lang="en-US" altLang="zh-CN" dirty="0" err="1"/>
               <a:t>wb</a:t>
             </a:r>
             <a:r>
-              <a:rPr lang="zh-CN" altLang="en-US" dirty="0" smtClean="0"/>
+              <a:rPr lang="zh-CN" altLang="en-US" dirty="0"/>
               <a:t>适应虚拟空间的大小。</a:t>
             </a:r>
             <a:r>
-              <a:rPr lang="en-US" altLang="zh-CN" dirty="0" smtClean="0"/>
+              <a:rPr lang="en-US" altLang="zh-CN" dirty="0"/>
               <a:t>A1b</a:t>
             </a:r>
             <a:r>
-              <a:rPr lang="zh-CN" altLang="en-US" dirty="0" smtClean="0"/>
+              <a:rPr lang="zh-CN" altLang="en-US" dirty="0"/>
               <a:t>是用来避免</a:t>
             </a:r>
             <a:r>
-              <a:rPr lang="en-US" altLang="zh-CN" dirty="0" smtClean="0"/>
+              <a:rPr lang="en-US" altLang="zh-CN" dirty="0"/>
               <a:t>0</a:t>
             </a:r>
             <a:r>
-              <a:rPr lang="zh-CN" altLang="en-US" dirty="0" smtClean="0"/>
+              <a:rPr lang="zh-CN" altLang="en-US" dirty="0"/>
               <a:t>权重，</a:t>
             </a:r>
             <a:r>
-              <a:rPr lang="en-US" altLang="zh-CN" dirty="0" err="1" smtClean="0"/>
+              <a:rPr lang="en-US" altLang="zh-CN" dirty="0" err="1"/>
               <a:t>Xc</a:t>
             </a:r>
             <a:r>
-              <a:rPr lang="zh-CN" altLang="en-US" dirty="0" smtClean="0"/>
+              <a:rPr lang="zh-CN" altLang="en-US" dirty="0"/>
               <a:t>是用户当前的位置。</a:t>
             </a:r>
-            <a:endParaRPr lang="zh-CN" altLang="en-US" dirty="0"/>
           </a:p>
         </p:txBody>
       </p:sp>
@@ -2496,78 +2507,78 @@
           <a:lstStyle/>
           <a:p>
             <a:r>
-              <a:rPr lang="en-US" altLang="zh-CN" dirty="0" smtClean="0"/>
+              <a:rPr lang="en-US" altLang="zh-CN" dirty="0"/>
               <a:t>O</a:t>
             </a:r>
             <a:r>
-              <a:rPr lang="zh-CN" altLang="en-US" dirty="0" smtClean="0"/>
+              <a:rPr lang="zh-CN" altLang="en-US" dirty="0"/>
               <a:t>是障碍物的集合，</a:t>
             </a:r>
             <a:r>
-              <a:rPr lang="en-US" altLang="zh-CN" dirty="0" smtClean="0"/>
+              <a:rPr lang="en-US" altLang="zh-CN" dirty="0"/>
               <a:t>u0</a:t>
             </a:r>
             <a:r>
-              <a:rPr lang="zh-CN" altLang="en-US" dirty="0" smtClean="0"/>
+              <a:rPr lang="zh-CN" altLang="en-US" dirty="0"/>
               <a:t>和</a:t>
             </a:r>
             <a:r>
-              <a:rPr lang="en-US" altLang="zh-CN" dirty="0" smtClean="0"/>
+              <a:rPr lang="en-US" altLang="zh-CN" dirty="0"/>
               <a:t>r0</a:t>
             </a:r>
             <a:r>
-              <a:rPr lang="zh-CN" altLang="en-US" dirty="0" smtClean="0"/>
+              <a:rPr lang="zh-CN" altLang="en-US" dirty="0"/>
               <a:t>是障碍物的位置和半径  </a:t>
             </a:r>
             <a:r>
-              <a:rPr lang="en-US" altLang="zh-CN" dirty="0" smtClean="0"/>
+              <a:rPr lang="en-US" altLang="zh-CN" dirty="0"/>
               <a:t>a0</a:t>
             </a:r>
             <a:r>
-              <a:rPr lang="zh-CN" altLang="en-US" dirty="0" smtClean="0"/>
+              <a:rPr lang="zh-CN" altLang="en-US" dirty="0"/>
               <a:t>和</a:t>
             </a:r>
             <a:r>
-              <a:rPr lang="en-US" altLang="zh-CN" dirty="0" smtClean="0"/>
+              <a:rPr lang="en-US" altLang="zh-CN" dirty="0"/>
               <a:t>a1</a:t>
             </a:r>
             <a:r>
-              <a:rPr lang="zh-CN" altLang="en-US" dirty="0" smtClean="0"/>
+              <a:rPr lang="zh-CN" altLang="en-US" dirty="0"/>
               <a:t>用来适应障碍物的大小和误差函数。本实验设置</a:t>
             </a:r>
             <a:r>
-              <a:rPr lang="en-US" altLang="zh-CN" dirty="0" smtClean="0"/>
+              <a:rPr lang="en-US" altLang="zh-CN" dirty="0"/>
               <a:t>a0</a:t>
             </a:r>
             <a:r>
-              <a:rPr lang="zh-CN" altLang="en-US" dirty="0" smtClean="0"/>
+              <a:rPr lang="zh-CN" altLang="en-US" dirty="0"/>
               <a:t>为</a:t>
             </a:r>
             <a:r>
-              <a:rPr lang="en-US" altLang="zh-CN" dirty="0" smtClean="0"/>
+              <a:rPr lang="en-US" altLang="zh-CN" dirty="0"/>
               <a:t>-1/r0</a:t>
             </a:r>
             <a:r>
-              <a:rPr lang="en-US" altLang="zh-CN" baseline="0" dirty="0" smtClean="0"/>
+              <a:rPr lang="en-US" altLang="zh-CN" baseline="0" dirty="0"/>
               <a:t>  a1</a:t>
             </a:r>
             <a:r>
-              <a:rPr lang="zh-CN" altLang="en-US" baseline="0" dirty="0" smtClean="0"/>
+              <a:rPr lang="zh-CN" altLang="en-US" baseline="0" dirty="0"/>
               <a:t>是</a:t>
             </a:r>
             <a:r>
-              <a:rPr lang="en-US" altLang="zh-CN" baseline="0" dirty="0" smtClean="0"/>
+              <a:rPr lang="en-US" altLang="zh-CN" baseline="0" dirty="0"/>
               <a:t>2</a:t>
             </a:r>
             <a:r>
-              <a:rPr lang="zh-CN" altLang="en-US" baseline="0" dirty="0" smtClean="0"/>
+              <a:rPr lang="zh-CN" altLang="en-US" baseline="0" dirty="0"/>
               <a:t>。因为障碍物比边界要小。我我们只有在障碍物在用户附近的时候才考虑他。</a:t>
             </a:r>
-            <a:endParaRPr lang="en-US" altLang="zh-CN" baseline="0" dirty="0" smtClean="0"/>
-          </a:p>
-          <a:p>
-            <a:r>
-              <a:rPr lang="en-US" altLang="zh-CN" sz="1200" b="0" i="0" kern="1200" dirty="0" err="1" smtClean="0">
+            <a:endParaRPr lang="en-US" altLang="zh-CN" baseline="0" dirty="0"/>
+          </a:p>
+          <a:p>
+            <a:r>
+              <a:rPr lang="en-US" altLang="zh-CN" sz="1200" b="0" i="0" kern="1200" dirty="0" err="1">
                 <a:solidFill>
                   <a:schemeClr val="tx1"/>
                 </a:solidFill>
@@ -2579,7 +2590,7 @@
               <a:t>arg</a:t>
             </a:r>
             <a:r>
-              <a:rPr lang="en-US" altLang="zh-CN" sz="1200" b="0" i="0" kern="1200" dirty="0" smtClean="0">
+              <a:rPr lang="en-US" altLang="zh-CN" sz="1200" b="0" i="0" kern="1200" dirty="0">
                 <a:solidFill>
                   <a:schemeClr val="tx1"/>
                 </a:solidFill>
@@ -2591,7 +2602,7 @@
               <a:t> min </a:t>
             </a:r>
             <a:r>
-              <a:rPr lang="zh-CN" altLang="en-US" sz="1200" b="0" i="0" kern="1200" dirty="0" smtClean="0">
+              <a:rPr lang="zh-CN" altLang="en-US" sz="1200" b="0" i="0" kern="1200" dirty="0">
                 <a:solidFill>
                   <a:schemeClr val="tx1"/>
                 </a:solidFill>
@@ -2602,7 +2613,7 @@
               </a:rPr>
               <a:t>就是使后面这个式子达到最小值时的变量的取值</a:t>
             </a:r>
-            <a:endParaRPr lang="en-US" altLang="zh-CN" sz="1200" b="0" i="0" kern="1200" dirty="0" smtClean="0">
+            <a:endParaRPr lang="en-US" altLang="zh-CN" sz="1200" b="0" i="0" kern="1200" dirty="0">
               <a:solidFill>
                 <a:schemeClr val="tx1"/>
               </a:solidFill>
@@ -2613,7 +2624,7 @@
             </a:endParaRPr>
           </a:p>
           <a:p>
-            <a:endParaRPr lang="en-US" altLang="zh-CN" baseline="0" dirty="0" smtClean="0"/>
+            <a:endParaRPr lang="en-US" altLang="zh-CN" baseline="0" dirty="0"/>
           </a:p>
         </p:txBody>
       </p:sp>
@@ -2698,7 +2709,7 @@
           <a:lstStyle/>
           <a:p>
             <a:r>
-              <a:rPr lang="en-US" altLang="zh-CN" sz="1200" b="0" i="0" u="none" strike="noStrike" kern="1200" baseline="0" dirty="0" smtClean="0">
+              <a:rPr lang="en-US" altLang="zh-CN" sz="1200" b="0" i="0" u="none" strike="noStrike" kern="1200" baseline="0" dirty="0">
                 <a:solidFill>
                   <a:schemeClr val="tx1"/>
                 </a:solidFill>
@@ -2786,10 +2797,9 @@
           <a:lstStyle/>
           <a:p>
             <a:r>
-              <a:rPr lang="zh-CN" altLang="en-US" smtClean="0"/>
+              <a:rPr lang="zh-CN" altLang="en-US"/>
               <a:t>单击此处编辑母版标题样式</a:t>
             </a:r>
-            <a:endParaRPr lang="zh-CN" altLang="en-US"/>
           </a:p>
         </p:txBody>
       </p:sp>
@@ -2905,10 +2915,9 @@
           </a:lstStyle>
           <a:p>
             <a:r>
-              <a:rPr lang="zh-CN" altLang="en-US" smtClean="0"/>
+              <a:rPr lang="zh-CN" altLang="en-US"/>
               <a:t>单击此处编辑母版副标题样式</a:t>
             </a:r>
-            <a:endParaRPr lang="zh-CN" altLang="en-US"/>
           </a:p>
         </p:txBody>
       </p:sp>
@@ -2929,7 +2938,7 @@
           <a:p>
             <a:fld id="{530820CF-B880-4189-942D-D702A7CBA730}" type="datetimeFigureOut">
               <a:rPr lang="zh-CN" altLang="en-US" smtClean="0"/>
-              <a:t>2018/11/29 Thursday</a:t>
+              <a:t>2018/11/30</a:t>
             </a:fld>
             <a:endParaRPr lang="zh-CN" altLang="en-US"/>
           </a:p>
@@ -3018,10 +3027,9 @@
           <a:lstStyle/>
           <a:p>
             <a:r>
-              <a:rPr lang="zh-CN" altLang="en-US" smtClean="0"/>
+              <a:rPr lang="zh-CN" altLang="en-US"/>
               <a:t>单击此处编辑母版标题样式</a:t>
             </a:r>
-            <a:endParaRPr lang="zh-CN" altLang="en-US"/>
           </a:p>
         </p:txBody>
       </p:sp>
@@ -3042,38 +3050,37 @@
           <a:p>
             <a:pPr lvl="0"/>
             <a:r>
-              <a:rPr lang="zh-CN" altLang="en-US" smtClean="0"/>
+              <a:rPr lang="zh-CN" altLang="en-US"/>
               <a:t>单击此处编辑母版文本样式</a:t>
             </a:r>
           </a:p>
           <a:p>
             <a:pPr lvl="1"/>
             <a:r>
-              <a:rPr lang="zh-CN" altLang="en-US" smtClean="0"/>
+              <a:rPr lang="zh-CN" altLang="en-US"/>
               <a:t>第二级</a:t>
             </a:r>
           </a:p>
           <a:p>
             <a:pPr lvl="2"/>
             <a:r>
-              <a:rPr lang="zh-CN" altLang="en-US" smtClean="0"/>
+              <a:rPr lang="zh-CN" altLang="en-US"/>
               <a:t>第三级</a:t>
             </a:r>
           </a:p>
           <a:p>
             <a:pPr lvl="3"/>
             <a:r>
-              <a:rPr lang="zh-CN" altLang="en-US" smtClean="0"/>
+              <a:rPr lang="zh-CN" altLang="en-US"/>
               <a:t>第四级</a:t>
             </a:r>
           </a:p>
           <a:p>
             <a:pPr lvl="4"/>
             <a:r>
-              <a:rPr lang="zh-CN" altLang="en-US" smtClean="0"/>
+              <a:rPr lang="zh-CN" altLang="en-US"/>
               <a:t>第五级</a:t>
             </a:r>
-            <a:endParaRPr lang="zh-CN" altLang="en-US"/>
           </a:p>
         </p:txBody>
       </p:sp>
@@ -3094,7 +3101,7 @@
           <a:p>
             <a:fld id="{530820CF-B880-4189-942D-D702A7CBA730}" type="datetimeFigureOut">
               <a:rPr lang="zh-CN" altLang="en-US" smtClean="0"/>
-              <a:t>2018/11/29 Thursday</a:t>
+              <a:t>2018/11/30</a:t>
             </a:fld>
             <a:endParaRPr lang="zh-CN" altLang="en-US"/>
           </a:p>
@@ -3188,10 +3195,9 @@
           <a:lstStyle/>
           <a:p>
             <a:r>
-              <a:rPr lang="zh-CN" altLang="en-US" smtClean="0"/>
+              <a:rPr lang="zh-CN" altLang="en-US"/>
               <a:t>单击此处编辑母版标题样式</a:t>
             </a:r>
-            <a:endParaRPr lang="zh-CN" altLang="en-US"/>
           </a:p>
         </p:txBody>
       </p:sp>
@@ -3217,38 +3223,37 @@
           <a:p>
             <a:pPr lvl="0"/>
             <a:r>
-              <a:rPr lang="zh-CN" altLang="en-US" smtClean="0"/>
+              <a:rPr lang="zh-CN" altLang="en-US"/>
               <a:t>单击此处编辑母版文本样式</a:t>
             </a:r>
           </a:p>
           <a:p>
             <a:pPr lvl="1"/>
             <a:r>
-              <a:rPr lang="zh-CN" altLang="en-US" smtClean="0"/>
+              <a:rPr lang="zh-CN" altLang="en-US"/>
               <a:t>第二级</a:t>
             </a:r>
           </a:p>
           <a:p>
             <a:pPr lvl="2"/>
             <a:r>
-              <a:rPr lang="zh-CN" altLang="en-US" smtClean="0"/>
+              <a:rPr lang="zh-CN" altLang="en-US"/>
               <a:t>第三级</a:t>
             </a:r>
           </a:p>
           <a:p>
             <a:pPr lvl="3"/>
             <a:r>
-              <a:rPr lang="zh-CN" altLang="en-US" smtClean="0"/>
+              <a:rPr lang="zh-CN" altLang="en-US"/>
               <a:t>第四级</a:t>
             </a:r>
           </a:p>
           <a:p>
             <a:pPr lvl="4"/>
             <a:r>
-              <a:rPr lang="zh-CN" altLang="en-US" smtClean="0"/>
+              <a:rPr lang="zh-CN" altLang="en-US"/>
               <a:t>第五级</a:t>
             </a:r>
-            <a:endParaRPr lang="zh-CN" altLang="en-US"/>
           </a:p>
         </p:txBody>
       </p:sp>
@@ -3269,7 +3274,7 @@
           <a:p>
             <a:fld id="{530820CF-B880-4189-942D-D702A7CBA730}" type="datetimeFigureOut">
               <a:rPr lang="zh-CN" altLang="en-US" smtClean="0"/>
-              <a:t>2018/11/29 Thursday</a:t>
+              <a:t>2018/11/30</a:t>
             </a:fld>
             <a:endParaRPr lang="zh-CN" altLang="en-US"/>
           </a:p>
@@ -3358,10 +3363,9 @@
           <a:lstStyle/>
           <a:p>
             <a:r>
-              <a:rPr lang="zh-CN" altLang="en-US" smtClean="0"/>
+              <a:rPr lang="zh-CN" altLang="en-US"/>
               <a:t>单击此处编辑母版标题样式</a:t>
             </a:r>
-            <a:endParaRPr lang="zh-CN" altLang="en-US"/>
           </a:p>
         </p:txBody>
       </p:sp>
@@ -3382,38 +3386,37 @@
           <a:p>
             <a:pPr lvl="0"/>
             <a:r>
-              <a:rPr lang="zh-CN" altLang="en-US" smtClean="0"/>
+              <a:rPr lang="zh-CN" altLang="en-US"/>
               <a:t>单击此处编辑母版文本样式</a:t>
             </a:r>
           </a:p>
           <a:p>
             <a:pPr lvl="1"/>
             <a:r>
-              <a:rPr lang="zh-CN" altLang="en-US" smtClean="0"/>
+              <a:rPr lang="zh-CN" altLang="en-US"/>
               <a:t>第二级</a:t>
             </a:r>
           </a:p>
           <a:p>
             <a:pPr lvl="2"/>
             <a:r>
-              <a:rPr lang="zh-CN" altLang="en-US" smtClean="0"/>
+              <a:rPr lang="zh-CN" altLang="en-US"/>
               <a:t>第三级</a:t>
             </a:r>
           </a:p>
           <a:p>
             <a:pPr lvl="3"/>
             <a:r>
-              <a:rPr lang="zh-CN" altLang="en-US" smtClean="0"/>
+              <a:rPr lang="zh-CN" altLang="en-US"/>
               <a:t>第四级</a:t>
             </a:r>
           </a:p>
           <a:p>
             <a:pPr lvl="4"/>
             <a:r>
-              <a:rPr lang="zh-CN" altLang="en-US" smtClean="0"/>
+              <a:rPr lang="zh-CN" altLang="en-US"/>
               <a:t>第五级</a:t>
             </a:r>
-            <a:endParaRPr lang="zh-CN" altLang="en-US"/>
           </a:p>
         </p:txBody>
       </p:sp>
@@ -3434,7 +3437,7 @@
           <a:p>
             <a:fld id="{530820CF-B880-4189-942D-D702A7CBA730}" type="datetimeFigureOut">
               <a:rPr lang="zh-CN" altLang="en-US" smtClean="0"/>
-              <a:t>2018/11/29 Thursday</a:t>
+              <a:t>2018/11/30</a:t>
             </a:fld>
             <a:endParaRPr lang="zh-CN" altLang="en-US"/>
           </a:p>
@@ -3532,10 +3535,9 @@
           </a:lstStyle>
           <a:p>
             <a:r>
-              <a:rPr lang="zh-CN" altLang="en-US" smtClean="0"/>
+              <a:rPr lang="zh-CN" altLang="en-US"/>
               <a:t>单击此处编辑母版标题样式</a:t>
             </a:r>
-            <a:endParaRPr lang="zh-CN" altLang="en-US"/>
           </a:p>
         </p:txBody>
       </p:sp>
@@ -3652,7 +3654,7 @@
           <a:p>
             <a:pPr lvl="0"/>
             <a:r>
-              <a:rPr lang="zh-CN" altLang="en-US" smtClean="0"/>
+              <a:rPr lang="zh-CN" altLang="en-US"/>
               <a:t>单击此处编辑母版文本样式</a:t>
             </a:r>
           </a:p>
@@ -3675,7 +3677,7 @@
           <a:p>
             <a:fld id="{530820CF-B880-4189-942D-D702A7CBA730}" type="datetimeFigureOut">
               <a:rPr lang="zh-CN" altLang="en-US" smtClean="0"/>
-              <a:t>2018/11/29 Thursday</a:t>
+              <a:t>2018/11/30</a:t>
             </a:fld>
             <a:endParaRPr lang="zh-CN" altLang="en-US"/>
           </a:p>
@@ -3764,10 +3766,9 @@
           <a:lstStyle/>
           <a:p>
             <a:r>
-              <a:rPr lang="zh-CN" altLang="en-US" smtClean="0"/>
+              <a:rPr lang="zh-CN" altLang="en-US"/>
               <a:t>单击此处编辑母版标题样式</a:t>
             </a:r>
-            <a:endParaRPr lang="zh-CN" altLang="en-US"/>
           </a:p>
         </p:txBody>
       </p:sp>
@@ -3821,38 +3822,37 @@
           <a:p>
             <a:pPr lvl="0"/>
             <a:r>
-              <a:rPr lang="zh-CN" altLang="en-US" smtClean="0"/>
+              <a:rPr lang="zh-CN" altLang="en-US"/>
               <a:t>单击此处编辑母版文本样式</a:t>
             </a:r>
           </a:p>
           <a:p>
             <a:pPr lvl="1"/>
             <a:r>
-              <a:rPr lang="zh-CN" altLang="en-US" smtClean="0"/>
+              <a:rPr lang="zh-CN" altLang="en-US"/>
               <a:t>第二级</a:t>
             </a:r>
           </a:p>
           <a:p>
             <a:pPr lvl="2"/>
             <a:r>
-              <a:rPr lang="zh-CN" altLang="en-US" smtClean="0"/>
+              <a:rPr lang="zh-CN" altLang="en-US"/>
               <a:t>第三级</a:t>
             </a:r>
           </a:p>
           <a:p>
             <a:pPr lvl="3"/>
             <a:r>
-              <a:rPr lang="zh-CN" altLang="en-US" smtClean="0"/>
+              <a:rPr lang="zh-CN" altLang="en-US"/>
               <a:t>第四级</a:t>
             </a:r>
           </a:p>
           <a:p>
             <a:pPr lvl="4"/>
             <a:r>
-              <a:rPr lang="zh-CN" altLang="en-US" smtClean="0"/>
+              <a:rPr lang="zh-CN" altLang="en-US"/>
               <a:t>第五级</a:t>
             </a:r>
-            <a:endParaRPr lang="zh-CN" altLang="en-US"/>
           </a:p>
         </p:txBody>
       </p:sp>
@@ -3906,38 +3906,37 @@
           <a:p>
             <a:pPr lvl="0"/>
             <a:r>
-              <a:rPr lang="zh-CN" altLang="en-US" smtClean="0"/>
+              <a:rPr lang="zh-CN" altLang="en-US"/>
               <a:t>单击此处编辑母版文本样式</a:t>
             </a:r>
           </a:p>
           <a:p>
             <a:pPr lvl="1"/>
             <a:r>
-              <a:rPr lang="zh-CN" altLang="en-US" smtClean="0"/>
+              <a:rPr lang="zh-CN" altLang="en-US"/>
               <a:t>第二级</a:t>
             </a:r>
           </a:p>
           <a:p>
             <a:pPr lvl="2"/>
             <a:r>
-              <a:rPr lang="zh-CN" altLang="en-US" smtClean="0"/>
+              <a:rPr lang="zh-CN" altLang="en-US"/>
               <a:t>第三级</a:t>
             </a:r>
           </a:p>
           <a:p>
             <a:pPr lvl="3"/>
             <a:r>
-              <a:rPr lang="zh-CN" altLang="en-US" smtClean="0"/>
+              <a:rPr lang="zh-CN" altLang="en-US"/>
               <a:t>第四级</a:t>
             </a:r>
           </a:p>
           <a:p>
             <a:pPr lvl="4"/>
             <a:r>
-              <a:rPr lang="zh-CN" altLang="en-US" smtClean="0"/>
+              <a:rPr lang="zh-CN" altLang="en-US"/>
               <a:t>第五级</a:t>
             </a:r>
-            <a:endParaRPr lang="zh-CN" altLang="en-US"/>
           </a:p>
         </p:txBody>
       </p:sp>
@@ -3958,7 +3957,7 @@
           <a:p>
             <a:fld id="{530820CF-B880-4189-942D-D702A7CBA730}" type="datetimeFigureOut">
               <a:rPr lang="zh-CN" altLang="en-US" smtClean="0"/>
-              <a:t>2018/11/29 Thursday</a:t>
+              <a:t>2018/11/30</a:t>
             </a:fld>
             <a:endParaRPr lang="zh-CN" altLang="en-US"/>
           </a:p>
@@ -4051,10 +4050,9 @@
           </a:lstStyle>
           <a:p>
             <a:r>
-              <a:rPr lang="zh-CN" altLang="en-US" smtClean="0"/>
+              <a:rPr lang="zh-CN" altLang="en-US"/>
               <a:t>单击此处编辑母版标题样式</a:t>
             </a:r>
-            <a:endParaRPr lang="zh-CN" altLang="en-US"/>
           </a:p>
         </p:txBody>
       </p:sp>
@@ -4117,7 +4115,7 @@
           <a:p>
             <a:pPr lvl="0"/>
             <a:r>
-              <a:rPr lang="zh-CN" altLang="en-US" smtClean="0"/>
+              <a:rPr lang="zh-CN" altLang="en-US"/>
               <a:t>单击此处编辑母版文本样式</a:t>
             </a:r>
           </a:p>
@@ -4173,38 +4171,37 @@
           <a:p>
             <a:pPr lvl="0"/>
             <a:r>
-              <a:rPr lang="zh-CN" altLang="en-US" smtClean="0"/>
+              <a:rPr lang="zh-CN" altLang="en-US"/>
               <a:t>单击此处编辑母版文本样式</a:t>
             </a:r>
           </a:p>
           <a:p>
             <a:pPr lvl="1"/>
             <a:r>
-              <a:rPr lang="zh-CN" altLang="en-US" smtClean="0"/>
+              <a:rPr lang="zh-CN" altLang="en-US"/>
               <a:t>第二级</a:t>
             </a:r>
           </a:p>
           <a:p>
             <a:pPr lvl="2"/>
             <a:r>
-              <a:rPr lang="zh-CN" altLang="en-US" smtClean="0"/>
+              <a:rPr lang="zh-CN" altLang="en-US"/>
               <a:t>第三级</a:t>
             </a:r>
           </a:p>
           <a:p>
             <a:pPr lvl="3"/>
             <a:r>
-              <a:rPr lang="zh-CN" altLang="en-US" smtClean="0"/>
+              <a:rPr lang="zh-CN" altLang="en-US"/>
               <a:t>第四级</a:t>
             </a:r>
           </a:p>
           <a:p>
             <a:pPr lvl="4"/>
             <a:r>
-              <a:rPr lang="zh-CN" altLang="en-US" smtClean="0"/>
+              <a:rPr lang="zh-CN" altLang="en-US"/>
               <a:t>第五级</a:t>
             </a:r>
-            <a:endParaRPr lang="zh-CN" altLang="en-US"/>
           </a:p>
         </p:txBody>
       </p:sp>
@@ -4267,7 +4264,7 @@
           <a:p>
             <a:pPr lvl="0"/>
             <a:r>
-              <a:rPr lang="zh-CN" altLang="en-US" smtClean="0"/>
+              <a:rPr lang="zh-CN" altLang="en-US"/>
               <a:t>单击此处编辑母版文本样式</a:t>
             </a:r>
           </a:p>
@@ -4323,38 +4320,37 @@
           <a:p>
             <a:pPr lvl="0"/>
             <a:r>
-              <a:rPr lang="zh-CN" altLang="en-US" smtClean="0"/>
+              <a:rPr lang="zh-CN" altLang="en-US"/>
               <a:t>单击此处编辑母版文本样式</a:t>
             </a:r>
           </a:p>
           <a:p>
             <a:pPr lvl="1"/>
             <a:r>
-              <a:rPr lang="zh-CN" altLang="en-US" smtClean="0"/>
+              <a:rPr lang="zh-CN" altLang="en-US"/>
               <a:t>第二级</a:t>
             </a:r>
           </a:p>
           <a:p>
             <a:pPr lvl="2"/>
             <a:r>
-              <a:rPr lang="zh-CN" altLang="en-US" smtClean="0"/>
+              <a:rPr lang="zh-CN" altLang="en-US"/>
               <a:t>第三级</a:t>
             </a:r>
           </a:p>
           <a:p>
             <a:pPr lvl="3"/>
             <a:r>
-              <a:rPr lang="zh-CN" altLang="en-US" smtClean="0"/>
+              <a:rPr lang="zh-CN" altLang="en-US"/>
               <a:t>第四级</a:t>
             </a:r>
           </a:p>
           <a:p>
             <a:pPr lvl="4"/>
             <a:r>
-              <a:rPr lang="zh-CN" altLang="en-US" smtClean="0"/>
+              <a:rPr lang="zh-CN" altLang="en-US"/>
               <a:t>第五级</a:t>
             </a:r>
-            <a:endParaRPr lang="zh-CN" altLang="en-US"/>
           </a:p>
         </p:txBody>
       </p:sp>
@@ -4375,7 +4371,7 @@
           <a:p>
             <a:fld id="{530820CF-B880-4189-942D-D702A7CBA730}" type="datetimeFigureOut">
               <a:rPr lang="zh-CN" altLang="en-US" smtClean="0"/>
-              <a:t>2018/11/29 Thursday</a:t>
+              <a:t>2018/11/30</a:t>
             </a:fld>
             <a:endParaRPr lang="zh-CN" altLang="en-US"/>
           </a:p>
@@ -4464,10 +4460,9 @@
           <a:lstStyle/>
           <a:p>
             <a:r>
-              <a:rPr lang="zh-CN" altLang="en-US" smtClean="0"/>
+              <a:rPr lang="zh-CN" altLang="en-US"/>
               <a:t>单击此处编辑母版标题样式</a:t>
             </a:r>
-            <a:endParaRPr lang="zh-CN" altLang="en-US"/>
           </a:p>
         </p:txBody>
       </p:sp>
@@ -4488,7 +4483,7 @@
           <a:p>
             <a:fld id="{530820CF-B880-4189-942D-D702A7CBA730}" type="datetimeFigureOut">
               <a:rPr lang="zh-CN" altLang="en-US" smtClean="0"/>
-              <a:t>2018/11/29 Thursday</a:t>
+              <a:t>2018/11/30</a:t>
             </a:fld>
             <a:endParaRPr lang="zh-CN" altLang="en-US"/>
           </a:p>
@@ -4578,7 +4573,7 @@
           <a:p>
             <a:fld id="{530820CF-B880-4189-942D-D702A7CBA730}" type="datetimeFigureOut">
               <a:rPr lang="zh-CN" altLang="en-US" smtClean="0"/>
-              <a:t>2018/11/29 Thursday</a:t>
+              <a:t>2018/11/30</a:t>
             </a:fld>
             <a:endParaRPr lang="zh-CN" altLang="en-US"/>
           </a:p>
@@ -4676,10 +4671,9 @@
           </a:lstStyle>
           <a:p>
             <a:r>
-              <a:rPr lang="zh-CN" altLang="en-US" smtClean="0"/>
+              <a:rPr lang="zh-CN" altLang="en-US"/>
               <a:t>单击此处编辑母版标题样式</a:t>
             </a:r>
-            <a:endParaRPr lang="zh-CN" altLang="en-US"/>
           </a:p>
         </p:txBody>
       </p:sp>
@@ -4733,38 +4727,37 @@
           <a:p>
             <a:pPr lvl="0"/>
             <a:r>
-              <a:rPr lang="zh-CN" altLang="en-US" smtClean="0"/>
+              <a:rPr lang="zh-CN" altLang="en-US"/>
               <a:t>单击此处编辑母版文本样式</a:t>
             </a:r>
           </a:p>
           <a:p>
             <a:pPr lvl="1"/>
             <a:r>
-              <a:rPr lang="zh-CN" altLang="en-US" smtClean="0"/>
+              <a:rPr lang="zh-CN" altLang="en-US"/>
               <a:t>第二级</a:t>
             </a:r>
           </a:p>
           <a:p>
             <a:pPr lvl="2"/>
             <a:r>
-              <a:rPr lang="zh-CN" altLang="en-US" smtClean="0"/>
+              <a:rPr lang="zh-CN" altLang="en-US"/>
               <a:t>第三级</a:t>
             </a:r>
           </a:p>
           <a:p>
             <a:pPr lvl="3"/>
             <a:r>
-              <a:rPr lang="zh-CN" altLang="en-US" smtClean="0"/>
+              <a:rPr lang="zh-CN" altLang="en-US"/>
               <a:t>第四级</a:t>
             </a:r>
           </a:p>
           <a:p>
             <a:pPr lvl="4"/>
             <a:r>
-              <a:rPr lang="zh-CN" altLang="en-US" smtClean="0"/>
+              <a:rPr lang="zh-CN" altLang="en-US"/>
               <a:t>第五级</a:t>
             </a:r>
-            <a:endParaRPr lang="zh-CN" altLang="en-US"/>
           </a:p>
         </p:txBody>
       </p:sp>
@@ -4827,7 +4820,7 @@
           <a:p>
             <a:pPr lvl="0"/>
             <a:r>
-              <a:rPr lang="zh-CN" altLang="en-US" smtClean="0"/>
+              <a:rPr lang="zh-CN" altLang="en-US"/>
               <a:t>单击此处编辑母版文本样式</a:t>
             </a:r>
           </a:p>
@@ -4850,7 +4843,7 @@
           <a:p>
             <a:fld id="{530820CF-B880-4189-942D-D702A7CBA730}" type="datetimeFigureOut">
               <a:rPr lang="zh-CN" altLang="en-US" smtClean="0"/>
-              <a:t>2018/11/29 Thursday</a:t>
+              <a:t>2018/11/30</a:t>
             </a:fld>
             <a:endParaRPr lang="zh-CN" altLang="en-US"/>
           </a:p>
@@ -4948,10 +4941,9 @@
           </a:lstStyle>
           <a:p>
             <a:r>
-              <a:rPr lang="zh-CN" altLang="en-US" smtClean="0"/>
+              <a:rPr lang="zh-CN" altLang="en-US"/>
               <a:t>单击此处编辑母版标题样式</a:t>
             </a:r>
-            <a:endParaRPr lang="zh-CN" altLang="en-US"/>
           </a:p>
         </p:txBody>
       </p:sp>
@@ -5075,7 +5067,7 @@
           <a:p>
             <a:pPr lvl="0"/>
             <a:r>
-              <a:rPr lang="zh-CN" altLang="en-US" smtClean="0"/>
+              <a:rPr lang="zh-CN" altLang="en-US"/>
               <a:t>单击此处编辑母版文本样式</a:t>
             </a:r>
           </a:p>
@@ -5098,7 +5090,7 @@
           <a:p>
             <a:fld id="{530820CF-B880-4189-942D-D702A7CBA730}" type="datetimeFigureOut">
               <a:rPr lang="zh-CN" altLang="en-US" smtClean="0"/>
-              <a:t>2018/11/29 Thursday</a:t>
+              <a:t>2018/11/30</a:t>
             </a:fld>
             <a:endParaRPr lang="zh-CN" altLang="en-US"/>
           </a:p>
@@ -5202,10 +5194,9 @@
           <a:lstStyle/>
           <a:p>
             <a:r>
-              <a:rPr lang="zh-CN" altLang="en-US" smtClean="0"/>
+              <a:rPr lang="zh-CN" altLang="en-US"/>
               <a:t>单击此处编辑母版标题样式</a:t>
             </a:r>
-            <a:endParaRPr lang="zh-CN" altLang="en-US"/>
           </a:p>
         </p:txBody>
       </p:sp>
@@ -5236,38 +5227,37 @@
           <a:p>
             <a:pPr lvl="0"/>
             <a:r>
-              <a:rPr lang="zh-CN" altLang="en-US" smtClean="0"/>
+              <a:rPr lang="zh-CN" altLang="en-US"/>
               <a:t>单击此处编辑母版文本样式</a:t>
             </a:r>
           </a:p>
           <a:p>
             <a:pPr lvl="1"/>
             <a:r>
-              <a:rPr lang="zh-CN" altLang="en-US" smtClean="0"/>
+              <a:rPr lang="zh-CN" altLang="en-US"/>
               <a:t>第二级</a:t>
             </a:r>
           </a:p>
           <a:p>
             <a:pPr lvl="2"/>
             <a:r>
-              <a:rPr lang="zh-CN" altLang="en-US" smtClean="0"/>
+              <a:rPr lang="zh-CN" altLang="en-US"/>
               <a:t>第三级</a:t>
             </a:r>
           </a:p>
           <a:p>
             <a:pPr lvl="3"/>
             <a:r>
-              <a:rPr lang="zh-CN" altLang="en-US" smtClean="0"/>
+              <a:rPr lang="zh-CN" altLang="en-US"/>
               <a:t>第四级</a:t>
             </a:r>
           </a:p>
           <a:p>
             <a:pPr lvl="4"/>
             <a:r>
-              <a:rPr lang="zh-CN" altLang="en-US" smtClean="0"/>
+              <a:rPr lang="zh-CN" altLang="en-US"/>
               <a:t>第五级</a:t>
             </a:r>
-            <a:endParaRPr lang="zh-CN" altLang="en-US"/>
           </a:p>
         </p:txBody>
       </p:sp>
@@ -5306,7 +5296,7 @@
           <a:p>
             <a:fld id="{530820CF-B880-4189-942D-D702A7CBA730}" type="datetimeFigureOut">
               <a:rPr lang="zh-CN" altLang="en-US" smtClean="0"/>
-              <a:t>2018/11/29 Thursday</a:t>
+              <a:t>2018/11/30</a:t>
             </a:fld>
             <a:endParaRPr lang="zh-CN" altLang="en-US"/>
           </a:p>
@@ -5700,15 +5690,7 @@
           <a:p>
             <a:r>
               <a:rPr lang="en-US" altLang="zh-CN" dirty="0"/>
-              <a:t>Towards Virtual Reality </a:t>
-            </a:r>
-            <a:r>
-              <a:rPr lang="en-US" altLang="zh-CN" dirty="0" smtClean="0"/>
-              <a:t>Infinite Walking</a:t>
-            </a:r>
-            <a:r>
-              <a:rPr lang="en-US" altLang="zh-CN" dirty="0"/>
-              <a:t>: Dynamic Saccadic Redirection</a:t>
+              <a:t>Towards Virtual Reality Infinite Walking: Dynamic Saccadic Redirection</a:t>
             </a:r>
             <a:endParaRPr lang="zh-CN" altLang="en-US" dirty="0"/>
           </a:p>
@@ -5747,31 +5729,7 @@
                   <a:schemeClr val="tx1"/>
                 </a:solidFill>
               </a:rPr>
-              <a:t>Published in: </a:t>
-            </a:r>
-            <a:r>
-              <a:rPr lang="en-US" altLang="zh-CN" sz="2800" dirty="0" smtClean="0">
-                <a:solidFill>
-                  <a:schemeClr val="tx1"/>
-                </a:solidFill>
-              </a:rPr>
-              <a:t>ACM </a:t>
-            </a:r>
-            <a:r>
-              <a:rPr lang="en-US" altLang="zh-CN" sz="2800" dirty="0">
-                <a:solidFill>
-                  <a:schemeClr val="tx1"/>
-                </a:solidFill>
-              </a:rPr>
-              <a:t>Transactions on Graphics (Proceedings of SIGGRAPH</a:t>
-            </a:r>
-            <a:r>
-              <a:rPr lang="en-US" altLang="zh-CN" sz="2800" dirty="0" smtClean="0">
-                <a:solidFill>
-                  <a:schemeClr val="tx1"/>
-                </a:solidFill>
-              </a:rPr>
-              <a:t>) 2018</a:t>
+              <a:t>Published in: ACM Transactions on Graphics (Proceedings of SIGGRAPH) 2018</a:t>
             </a:r>
           </a:p>
           <a:p>
@@ -5790,18 +5748,10 @@
                   <a:schemeClr val="tx1"/>
                 </a:solidFill>
               </a:rPr>
-              <a:t>	</a:t>
-            </a:r>
-            <a:r>
-              <a:rPr lang="en-US" altLang="zh-CN" sz="2800" dirty="0" smtClean="0">
-                <a:solidFill>
-                  <a:schemeClr val="tx1"/>
-                </a:solidFill>
-              </a:rPr>
-              <a:t>					</a:t>
-            </a:r>
-            <a:r>
-              <a:rPr lang="en-US" altLang="zh-CN" sz="2000" dirty="0" smtClean="0">
+              <a:t>						</a:t>
+            </a:r>
+            <a:r>
+              <a:rPr lang="en-US" altLang="zh-CN" sz="2000" dirty="0">
                 <a:solidFill>
                   <a:schemeClr val="tx1"/>
                 </a:solidFill>
@@ -5809,74 +5759,29 @@
               <a:t>18721802 </a:t>
             </a:r>
             <a:r>
-              <a:rPr lang="zh-CN" altLang="en-US" sz="2000" dirty="0" smtClean="0">
+              <a:rPr lang="zh-CN" altLang="en-US" sz="2000" dirty="0">
                 <a:solidFill>
                   <a:schemeClr val="tx1"/>
                 </a:solidFill>
               </a:rPr>
               <a:t>李琦</a:t>
-            </a:r>
-            <a:endParaRPr lang="en-US" altLang="zh-CN" sz="2000" dirty="0" smtClean="0">
-              <a:solidFill>
-                <a:schemeClr val="tx1"/>
-              </a:solidFill>
-            </a:endParaRPr>
-          </a:p>
-          <a:p>
-            <a:pPr algn="l"/>
-            <a:r>
-              <a:rPr lang="en-US" altLang="zh-CN" sz="2000" dirty="0">
-                <a:solidFill>
-                  <a:schemeClr val="tx1"/>
-                </a:solidFill>
-              </a:rPr>
-              <a:t>	</a:t>
-            </a:r>
-            <a:r>
-              <a:rPr lang="en-US" altLang="zh-CN" sz="2000" dirty="0" smtClean="0">
-                <a:solidFill>
-                  <a:schemeClr val="tx1"/>
-                </a:solidFill>
-              </a:rPr>
-              <a:t>				</a:t>
-            </a:r>
-            <a:r>
-              <a:rPr lang="en-US" altLang="zh-CN" sz="2000" dirty="0">
-                <a:solidFill>
-                  <a:schemeClr val="tx1"/>
-                </a:solidFill>
-              </a:rPr>
-              <a:t>	</a:t>
-            </a:r>
-            <a:r>
-              <a:rPr lang="en-US" altLang="zh-CN" sz="2000" dirty="0" smtClean="0">
-                <a:solidFill>
-                  <a:schemeClr val="tx1"/>
-                </a:solidFill>
-              </a:rPr>
-              <a:t>November 29th</a:t>
-            </a:r>
-            <a:r>
-              <a:rPr lang="en-US" altLang="zh-CN" sz="2000" dirty="0">
-                <a:solidFill>
-                  <a:schemeClr val="tx1"/>
-                </a:solidFill>
-              </a:rPr>
-              <a:t>, </a:t>
-            </a:r>
-            <a:r>
-              <a:rPr lang="en-US" altLang="zh-CN" sz="2000" dirty="0" smtClean="0">
-                <a:solidFill>
-                  <a:schemeClr val="tx1"/>
-                </a:solidFill>
-              </a:rPr>
-              <a:t>2018</a:t>
             </a:r>
             <a:endParaRPr lang="en-US" altLang="zh-CN" sz="2000" dirty="0">
               <a:solidFill>
                 <a:schemeClr val="tx1"/>
               </a:solidFill>
             </a:endParaRPr>
+          </a:p>
+          <a:p>
+            <a:pPr algn="l"/>
+            <a:r>
+              <a:rPr lang="en-US" altLang="zh-CN" sz="2000" dirty="0">
+                <a:solidFill>
+                  <a:schemeClr val="tx1"/>
+                </a:solidFill>
+              </a:rPr>
+              <a:t>						November 29th, 2018</a:t>
+            </a:r>
           </a:p>
           <a:p>
             <a:pPr algn="l"/>
@@ -5898,13 +5803,6 @@
   <p:clrMapOvr>
     <a:masterClrMapping/>
   </p:clrMapOvr>
-  <p:timing>
-    <p:tnLst>
-      <p:par>
-        <p:cTn id="1" dur="indefinite" restart="never" nodeType="tmRoot"/>
-      </p:par>
-    </p:tnLst>
-  </p:timing>
 </p:sld>
 </file>
 
@@ -5948,7 +5846,7 @@
           <a:p>
             <a:pPr lvl="0"/>
             <a:r>
-              <a:rPr lang="en-US" altLang="zh-CN" sz="4400" dirty="0" smtClean="0">
+              <a:rPr lang="en-US" altLang="zh-CN" sz="4400" dirty="0">
                 <a:solidFill>
                   <a:prstClr val="black"/>
                 </a:solidFill>
@@ -5956,18 +5854,13 @@
               <a:t>3.METHOD-</a:t>
             </a:r>
             <a:r>
-              <a:rPr lang="en-US" altLang="zh-CN" sz="3200" dirty="0" smtClean="0">
+              <a:rPr lang="en-US" altLang="zh-CN" sz="3200" dirty="0">
                 <a:solidFill>
                   <a:prstClr val="black"/>
                 </a:solidFill>
               </a:rPr>
               <a:t>Energy Terms</a:t>
             </a:r>
-            <a:endParaRPr lang="en-US" altLang="zh-CN" sz="3200" dirty="0">
-              <a:solidFill>
-                <a:prstClr val="black"/>
-              </a:solidFill>
-            </a:endParaRPr>
           </a:p>
         </p:txBody>
       </p:sp>
@@ -6138,13 +6031,6 @@
   <p:clrMapOvr>
     <a:masterClrMapping/>
   </p:clrMapOvr>
-  <p:timing>
-    <p:tnLst>
-      <p:par>
-        <p:cTn id="1" dur="indefinite" restart="never" nodeType="tmRoot"/>
-      </p:par>
-    </p:tnLst>
-  </p:timing>
 </p:sld>
 </file>
 
@@ -6188,7 +6074,7 @@
           <a:p>
             <a:pPr lvl="0"/>
             <a:r>
-              <a:rPr lang="en-US" altLang="zh-CN" sz="4400" dirty="0" smtClean="0">
+              <a:rPr lang="en-US" altLang="zh-CN" sz="4400" dirty="0">
                 <a:solidFill>
                   <a:prstClr val="black"/>
                 </a:solidFill>
@@ -6196,18 +6082,13 @@
               <a:t>3.METHOD-</a:t>
             </a:r>
             <a:r>
-              <a:rPr lang="en-US" altLang="zh-CN" sz="3200" dirty="0" smtClean="0">
+              <a:rPr lang="en-US" altLang="zh-CN" sz="3200" dirty="0">
                 <a:solidFill>
                   <a:prstClr val="black"/>
                 </a:solidFill>
               </a:rPr>
               <a:t>Energy Terms</a:t>
             </a:r>
-            <a:endParaRPr lang="en-US" altLang="zh-CN" sz="3200" dirty="0">
-              <a:solidFill>
-                <a:prstClr val="black"/>
-              </a:solidFill>
-            </a:endParaRPr>
           </a:p>
         </p:txBody>
       </p:sp>
@@ -6234,7 +6115,7 @@
           <a:p>
             <a:pPr lvl="0"/>
             <a:r>
-              <a:rPr lang="en-US" altLang="zh-CN" sz="3200" dirty="0" smtClean="0">
+              <a:rPr lang="en-US" altLang="zh-CN" sz="3200" dirty="0">
                 <a:solidFill>
                   <a:prstClr val="black"/>
                 </a:solidFill>
@@ -6480,13 +6361,6 @@
   <p:clrMapOvr>
     <a:masterClrMapping/>
   </p:clrMapOvr>
-  <p:timing>
-    <p:tnLst>
-      <p:par>
-        <p:cTn id="1" dur="indefinite" restart="never" nodeType="tmRoot"/>
-      </p:par>
-    </p:tnLst>
-  </p:timing>
 </p:sld>
 </file>
 
@@ -6526,19 +6400,15 @@
           <a:p>
             <a:pPr algn="l"/>
             <a:r>
-              <a:rPr lang="en-US" altLang="zh-CN" dirty="0" smtClean="0"/>
+              <a:rPr lang="en-US" altLang="zh-CN" dirty="0"/>
               <a:t>3.METHOD</a:t>
             </a:r>
             <a:br>
-              <a:rPr lang="en-US" altLang="zh-CN" dirty="0" smtClean="0"/>
+              <a:rPr lang="en-US" altLang="zh-CN" dirty="0"/>
             </a:br>
             <a:r>
-              <a:rPr lang="en-US" altLang="zh-CN" sz="3600" dirty="0" smtClean="0"/>
-              <a:t>Subtle </a:t>
-            </a:r>
-            <a:r>
               <a:rPr lang="en-US" altLang="zh-CN" sz="3600" dirty="0"/>
-              <a:t>Gaze Direction for Saccades</a:t>
+              <a:t>Subtle Gaze Direction for Saccades</a:t>
             </a:r>
             <a:endParaRPr lang="zh-CN" altLang="en-US" sz="3600" dirty="0"/>
           </a:p>
@@ -6618,13 +6488,6 @@
   <p:clrMapOvr>
     <a:masterClrMapping/>
   </p:clrMapOvr>
-  <p:timing>
-    <p:tnLst>
-      <p:par>
-        <p:cTn id="1" dur="indefinite" restart="never" nodeType="tmRoot"/>
-      </p:par>
-    </p:tnLst>
-  </p:timing>
 </p:sld>
 </file>
 
@@ -6664,19 +6527,15 @@
           <a:p>
             <a:pPr algn="l"/>
             <a:r>
-              <a:rPr lang="en-US" altLang="zh-CN" dirty="0" smtClean="0"/>
+              <a:rPr lang="en-US" altLang="zh-CN" dirty="0"/>
               <a:t>3.METHOD</a:t>
             </a:r>
             <a:br>
-              <a:rPr lang="en-US" altLang="zh-CN" dirty="0" smtClean="0"/>
+              <a:rPr lang="en-US" altLang="zh-CN" dirty="0"/>
             </a:br>
             <a:r>
-              <a:rPr lang="en-US" altLang="zh-CN" sz="3600" dirty="0" smtClean="0"/>
-              <a:t>Subtle </a:t>
-            </a:r>
-            <a:r>
               <a:rPr lang="en-US" altLang="zh-CN" sz="3600" dirty="0"/>
-              <a:t>Gaze Direction for Saccades</a:t>
+              <a:t>Subtle Gaze Direction for Saccades</a:t>
             </a:r>
             <a:endParaRPr lang="zh-CN" altLang="en-US" sz="3600" dirty="0"/>
           </a:p>
@@ -6820,13 +6679,6 @@
   <p:clrMapOvr>
     <a:masterClrMapping/>
   </p:clrMapOvr>
-  <p:timing>
-    <p:tnLst>
-      <p:par>
-        <p:cTn id="1" dur="indefinite" restart="never" nodeType="tmRoot"/>
-      </p:par>
-    </p:tnLst>
-  </p:timing>
 </p:sld>
 </file>
 
@@ -6871,27 +6723,15 @@
           <a:p>
             <a:pPr algn="l"/>
             <a:r>
-              <a:rPr lang="en-US" altLang="zh-CN" dirty="0" smtClean="0"/>
-              <a:t>4.EVALUATION-</a:t>
-            </a:r>
-            <a:r>
               <a:rPr lang="en-US" altLang="zh-CN" dirty="0"/>
-              <a:t> saving ratio </a:t>
-            </a:r>
-            <a:r>
-              <a:rPr lang="en-US" altLang="zh-CN" dirty="0" smtClean="0"/>
-              <a:t/>
+              <a:t>4.EVALUATION- saving ratio </a:t>
             </a:r>
             <a:br>
-              <a:rPr lang="en-US" altLang="zh-CN" dirty="0" smtClean="0"/>
+              <a:rPr lang="en-US" altLang="zh-CN" dirty="0"/>
             </a:br>
             <a:r>
               <a:rPr lang="en-US" altLang="zh-CN" sz="3100" dirty="0"/>
               <a:t>effectiveness of the redirected walk</a:t>
-            </a:r>
-            <a:r>
-              <a:rPr lang="zh-CN" altLang="en-US" dirty="0"/>
-              <a:t/>
             </a:r>
             <a:br>
               <a:rPr lang="zh-CN" altLang="en-US" dirty="0"/>
@@ -7038,13 +6878,6 @@
   <p:clrMapOvr>
     <a:masterClrMapping/>
   </p:clrMapOvr>
-  <p:timing>
-    <p:tnLst>
-      <p:par>
-        <p:cTn id="1" dur="indefinite" restart="never" nodeType="tmRoot"/>
-      </p:par>
-    </p:tnLst>
-  </p:timing>
 </p:sld>
 </file>
 
@@ -7089,12 +6922,8 @@
           <a:p>
             <a:pPr algn="l"/>
             <a:r>
-              <a:rPr lang="en-US" altLang="zh-CN" dirty="0" smtClean="0"/>
-              <a:t>4.EVALUATION- </a:t>
-            </a:r>
-            <a:r>
               <a:rPr lang="en-US" altLang="zh-CN" dirty="0"/>
-              <a:t>saving ratio </a:t>
+              <a:t>4.EVALUATION- saving ratio </a:t>
             </a:r>
             <a:br>
               <a:rPr lang="en-US" altLang="zh-CN" dirty="0"/>
@@ -7195,13 +7024,13 @@
             <a:endParaRPr lang="en-US" altLang="zh-CN" dirty="0"/>
           </a:p>
           <a:p>
-            <a:endParaRPr lang="en-US" altLang="zh-CN" dirty="0" smtClean="0"/>
-          </a:p>
-          <a:p>
             <a:endParaRPr lang="en-US" altLang="zh-CN" dirty="0"/>
           </a:p>
           <a:p>
-            <a:endParaRPr lang="en-US" altLang="zh-CN" dirty="0" smtClean="0"/>
+            <a:endParaRPr lang="en-US" altLang="zh-CN" dirty="0"/>
+          </a:p>
+          <a:p>
+            <a:endParaRPr lang="en-US" altLang="zh-CN" dirty="0"/>
           </a:p>
           <a:p>
             <a:endParaRPr lang="en-US" altLang="zh-CN" dirty="0"/>
@@ -7233,7 +7062,7 @@
           <a:lstStyle/>
           <a:p>
             <a:r>
-              <a:rPr lang="en-US" altLang="zh-CN" sz="2400" dirty="0" smtClean="0">
+              <a:rPr lang="en-US" altLang="zh-CN" sz="2400" dirty="0">
                 <a:latin typeface="Times New Roman" pitchFamily="18" charset="0"/>
                 <a:cs typeface="Times New Roman" pitchFamily="18" charset="0"/>
               </a:rPr>
@@ -7242,14 +7071,14 @@
           </a:p>
           <a:p>
             <a:r>
-              <a:rPr lang="en-US" altLang="zh-CN" sz="2400" dirty="0" smtClean="0">
+              <a:rPr lang="en-US" altLang="zh-CN" sz="2400" dirty="0">
                 <a:latin typeface="Times New Roman" pitchFamily="18" charset="0"/>
                 <a:cs typeface="Times New Roman" pitchFamily="18" charset="0"/>
               </a:rPr>
               <a:t> 2.01e −3 (SD = 1.95e −3) </a:t>
             </a:r>
             <a:r>
-              <a:rPr lang="it-IT" altLang="zh-CN" sz="2400" dirty="0" smtClean="0">
+              <a:rPr lang="it-IT" altLang="zh-CN" sz="2400" dirty="0">
                 <a:latin typeface="Times New Roman" pitchFamily="18" charset="0"/>
                 <a:cs typeface="Times New Roman" pitchFamily="18" charset="0"/>
               </a:rPr>
@@ -7258,30 +7087,12 @@
           </a:p>
           <a:p>
             <a:r>
-              <a:rPr lang="it-IT" altLang="zh-CN" sz="2400" dirty="0" smtClean="0">
-                <a:latin typeface="Times New Roman" pitchFamily="18" charset="0"/>
-                <a:cs typeface="Times New Roman" pitchFamily="18" charset="0"/>
-              </a:rPr>
-              <a:t>3.39e </a:t>
-            </a:r>
-            <a:r>
               <a:rPr lang="it-IT" altLang="zh-CN" sz="2400" dirty="0">
                 <a:latin typeface="Times New Roman" pitchFamily="18" charset="0"/>
                 <a:cs typeface="Times New Roman" pitchFamily="18" charset="0"/>
               </a:rPr>
-              <a:t>− 3 (SD = 1.98e − 3) </a:t>
-            </a:r>
-            <a:r>
-              <a:rPr lang="it-IT" altLang="zh-CN" sz="2400" dirty="0" smtClean="0">
-                <a:latin typeface="Times New Roman" pitchFamily="18" charset="0"/>
-                <a:cs typeface="Times New Roman" pitchFamily="18" charset="0"/>
-              </a:rPr>
-              <a:t>for SACCADE</a:t>
-            </a:r>
-            <a:endParaRPr lang="it-IT" altLang="zh-CN" sz="2400" dirty="0">
-              <a:latin typeface="Times New Roman" pitchFamily="18" charset="0"/>
-              <a:cs typeface="Times New Roman" pitchFamily="18" charset="0"/>
-            </a:endParaRPr>
+              <a:t>3.39e − 3 (SD = 1.98e − 3) for SACCADE</a:t>
+            </a:r>
           </a:p>
         </p:txBody>
       </p:sp>
@@ -7295,13 +7106,6 @@
   <p:clrMapOvr>
     <a:masterClrMapping/>
   </p:clrMapOvr>
-  <p:timing>
-    <p:tnLst>
-      <p:par>
-        <p:cTn id="1" dur="indefinite" restart="never" nodeType="tmRoot"/>
-      </p:par>
-    </p:tnLst>
-  </p:timing>
 </p:sld>
 </file>
 
@@ -7343,7 +7147,7 @@
           <a:lstStyle/>
           <a:p>
             <a:r>
-              <a:rPr lang="en-US" altLang="zh-CN" dirty="0" smtClean="0"/>
+              <a:rPr lang="en-US" altLang="zh-CN" dirty="0"/>
               <a:t>4.EVALUATION</a:t>
             </a:r>
             <a:endParaRPr lang="zh-CN" altLang="en-US" dirty="0"/>
@@ -7445,42 +7249,7 @@
                 <a:latin typeface="Times New Roman" pitchFamily="18" charset="0"/>
                 <a:cs typeface="Times New Roman" pitchFamily="18" charset="0"/>
               </a:rPr>
-              <a:t>redirected angle </a:t>
-            </a:r>
-            <a:r>
-              <a:rPr lang="en-US" altLang="zh-CN" sz="2400" dirty="0" smtClean="0">
-                <a:latin typeface="Times New Roman" pitchFamily="18" charset="0"/>
-                <a:cs typeface="Times New Roman" pitchFamily="18" charset="0"/>
-              </a:rPr>
-              <a:t>across</a:t>
-            </a:r>
-            <a:r>
-              <a:rPr lang="en-US" altLang="zh-CN" sz="2400" dirty="0">
-                <a:latin typeface="Times New Roman" pitchFamily="18" charset="0"/>
-                <a:cs typeface="Times New Roman" pitchFamily="18" charset="0"/>
-              </a:rPr>
-              <a:t> all users was 163.82</a:t>
-            </a:r>
-            <a:r>
-              <a:rPr lang="en-US" altLang="zh-CN" sz="2400" dirty="0" smtClean="0">
-                <a:latin typeface="Times New Roman" pitchFamily="18" charset="0"/>
-                <a:cs typeface="Times New Roman" pitchFamily="18" charset="0"/>
-              </a:rPr>
-              <a:t>◦</a:t>
-            </a:r>
-            <a:r>
-              <a:rPr lang="en-US" altLang="zh-CN" sz="2400" dirty="0">
-                <a:latin typeface="Times New Roman" pitchFamily="18" charset="0"/>
-                <a:cs typeface="Times New Roman" pitchFamily="18" charset="0"/>
-              </a:rPr>
-              <a:t> for </a:t>
-            </a:r>
-            <a:r>
-              <a:rPr lang="en-US" altLang="zh-CN" sz="2400" dirty="0" smtClean="0">
-                <a:latin typeface="Times New Roman" pitchFamily="18" charset="0"/>
-                <a:cs typeface="Times New Roman" pitchFamily="18" charset="0"/>
-              </a:rPr>
-              <a:t>SACCADE</a:t>
+              <a:t>redirected angle across all users was 163.82◦ for SACCADE</a:t>
             </a:r>
           </a:p>
           <a:p>
@@ -7496,32 +7265,18 @@
               <a:t>148.63</a:t>
             </a:r>
             <a:r>
-              <a:rPr lang="zh-CN" altLang="en-US" sz="2400" dirty="0" smtClean="0">
+              <a:rPr lang="zh-CN" altLang="en-US" sz="2400" dirty="0">
                 <a:latin typeface="Times New Roman" pitchFamily="18" charset="0"/>
                 <a:cs typeface="Times New Roman" pitchFamily="18" charset="0"/>
               </a:rPr>
               <a:t>◦</a:t>
             </a:r>
             <a:r>
-              <a:rPr lang="en-US" altLang="zh-CN" sz="2400" dirty="0" smtClean="0">
-                <a:latin typeface="Times New Roman" pitchFamily="18" charset="0"/>
-                <a:cs typeface="Times New Roman" pitchFamily="18" charset="0"/>
-              </a:rPr>
-              <a:t> (</a:t>
-            </a:r>
-            <a:r>
               <a:rPr lang="en-US" altLang="zh-CN" sz="2400" dirty="0">
                 <a:latin typeface="Times New Roman" pitchFamily="18" charset="0"/>
                 <a:cs typeface="Times New Roman" pitchFamily="18" charset="0"/>
               </a:rPr>
-              <a:t>SD = 22.99◦) for </a:t>
-            </a:r>
-            <a:r>
-              <a:rPr lang="en-US" altLang="zh-CN" sz="2400" dirty="0" smtClean="0">
-                <a:latin typeface="Times New Roman" pitchFamily="18" charset="0"/>
-                <a:cs typeface="Times New Roman" pitchFamily="18" charset="0"/>
-              </a:rPr>
-              <a:t>IMAGE-SGD-I</a:t>
+              <a:t> (SD = 22.99◦) for IMAGE-SGD-I</a:t>
             </a:r>
           </a:p>
           <a:p>
@@ -7548,21 +7303,7 @@
                 <a:latin typeface="Times New Roman" pitchFamily="18" charset="0"/>
                 <a:cs typeface="Times New Roman" pitchFamily="18" charset="0"/>
               </a:rPr>
-              <a:t> levels are </a:t>
-            </a:r>
-            <a:r>
-              <a:rPr lang="en-US" altLang="zh-CN" sz="2400" dirty="0" smtClean="0">
-                <a:latin typeface="Times New Roman" pitchFamily="18" charset="0"/>
-                <a:cs typeface="Times New Roman" pitchFamily="18" charset="0"/>
-              </a:rPr>
-              <a:t>reported below </a:t>
-            </a:r>
-            <a:r>
-              <a:rPr lang="en-US" altLang="zh-CN" sz="2400" dirty="0">
-                <a:latin typeface="Times New Roman" pitchFamily="18" charset="0"/>
-                <a:cs typeface="Times New Roman" pitchFamily="18" charset="0"/>
-              </a:rPr>
-              <a:t>2 by all users</a:t>
+              <a:t> levels are reported below 2 by all users</a:t>
             </a:r>
             <a:endParaRPr lang="zh-CN" altLang="en-US" sz="2400" dirty="0">
               <a:latin typeface="Times New Roman" pitchFamily="18" charset="0"/>
@@ -7584,13 +7325,6 @@
   <p:clrMapOvr>
     <a:masterClrMapping/>
   </p:clrMapOvr>
-  <p:timing>
-    <p:tnLst>
-      <p:par>
-        <p:cTn id="1" dur="indefinite" restart="never" nodeType="tmRoot"/>
-      </p:par>
-    </p:tnLst>
-  </p:timing>
 </p:sld>
 </file>
 
@@ -7632,7 +7366,7 @@
           <a:lstStyle/>
           <a:p>
             <a:r>
-              <a:rPr lang="en-US" altLang="zh-CN" dirty="0" smtClean="0"/>
+              <a:rPr lang="en-US" altLang="zh-CN" dirty="0"/>
               <a:t>4.EVALUATION</a:t>
             </a:r>
             <a:endParaRPr lang="zh-CN" altLang="en-US" dirty="0"/>
@@ -7711,7 +7445,7 @@
         </p:nvSpPr>
         <p:spPr>
           <a:xfrm>
-            <a:off x="467544" y="4509120"/>
+            <a:off x="652863" y="4293096"/>
             <a:ext cx="8064896" cy="1200329"/>
           </a:xfrm>
           <a:prstGeom prst="rect">
@@ -7730,16 +7464,8 @@
               <a:buChar char="•"/>
             </a:pPr>
             <a:r>
-              <a:rPr lang="en-US" altLang="zh-CN" sz="2400" dirty="0" smtClean="0"/>
-              <a:t>145.13</a:t>
-            </a:r>
-            <a:r>
               <a:rPr lang="en-US" altLang="zh-CN" sz="2400" dirty="0"/>
-              <a:t>◦ (SD = 21.83◦) for </a:t>
-            </a:r>
-            <a:r>
-              <a:rPr lang="en-US" altLang="zh-CN" sz="2400" dirty="0" smtClean="0"/>
-              <a:t>IMAGE-SGD-II</a:t>
+              <a:t>145.13◦ (SD = 21.83◦) for IMAGE-SGD-II</a:t>
             </a:r>
           </a:p>
           <a:p>
@@ -7748,24 +7474,8 @@
               <a:buChar char="•"/>
             </a:pPr>
             <a:r>
-              <a:rPr lang="en-US" altLang="zh-CN" sz="2400" dirty="0" smtClean="0"/>
-              <a:t> </a:t>
-            </a:r>
-            <a:r>
               <a:rPr lang="en-US" altLang="zh-CN" sz="2400" dirty="0"/>
-              <a:t>156.78</a:t>
-            </a:r>
-            <a:r>
-              <a:rPr lang="en-US" altLang="zh-CN" sz="2400" dirty="0" smtClean="0"/>
-              <a:t>◦(</a:t>
-            </a:r>
-            <a:r>
-              <a:rPr lang="en-US" altLang="zh-CN" sz="2400" dirty="0"/>
-              <a:t>SD = 23.41◦) for </a:t>
-            </a:r>
-            <a:r>
-              <a:rPr lang="en-US" altLang="zh-CN" sz="2400" dirty="0" smtClean="0"/>
-              <a:t>OBJ-SGD</a:t>
+              <a:t>156.78◦(SD = 23.41◦) for OBJ-SGD</a:t>
             </a:r>
           </a:p>
           <a:p>
@@ -7774,20 +7484,8 @@
               <a:buChar char="•"/>
             </a:pPr>
             <a:r>
-              <a:rPr lang="en-US" altLang="zh-CN" sz="2400" dirty="0" smtClean="0"/>
-              <a:t>167.48</a:t>
-            </a:r>
-            <a:r>
               <a:rPr lang="en-US" altLang="zh-CN" sz="2400" dirty="0"/>
-              <a:t>◦ (SD = 22.56◦) </a:t>
-            </a:r>
-            <a:r>
-              <a:rPr lang="en-US" altLang="zh-CN" sz="2400" dirty="0" smtClean="0"/>
-              <a:t>for DUAL-SGD</a:t>
-            </a:r>
-            <a:r>
-              <a:rPr lang="en-US" altLang="zh-CN" sz="2400" dirty="0"/>
-              <a:t>.</a:t>
+              <a:t>167.48◦ (SD = 22.56◦) for DUAL-SGD.</a:t>
             </a:r>
             <a:endParaRPr lang="zh-CN" altLang="en-US" dirty="0"/>
           </a:p>
@@ -7803,13 +7501,6 @@
   <p:clrMapOvr>
     <a:masterClrMapping/>
   </p:clrMapOvr>
-  <p:timing>
-    <p:tnLst>
-      <p:par>
-        <p:cTn id="1" dur="indefinite" restart="never" nodeType="tmRoot"/>
-      </p:par>
-    </p:tnLst>
-  </p:timing>
 </p:sld>
 </file>
 
@@ -8009,30 +7700,21 @@
           <a:p>
             <a:r>
               <a:rPr lang="en-US" altLang="zh-CN" sz="2000" b="1" dirty="0"/>
-              <a:t>With all 18 users from Sections 6.2 and 6.3, the average ξ </a:t>
-            </a:r>
-            <a:r>
-              <a:rPr lang="en-US" altLang="zh-CN" sz="2000" b="1" dirty="0" smtClean="0"/>
-              <a:t>was 3.06e</a:t>
+              <a:t>With all </a:t>
+            </a:r>
+            <a:r>
+              <a:rPr lang="en-US" altLang="zh-CN" sz="2000" b="1"/>
+              <a:t>18 users, </a:t>
             </a:r>
             <a:r>
               <a:rPr lang="en-US" altLang="zh-CN" sz="2000" b="1" dirty="0"/>
-              <a:t>−3 (SD = 1.52e−3) for the dynamic path planning </a:t>
-            </a:r>
-            <a:r>
-              <a:rPr lang="en-US" altLang="zh-CN" sz="2000" b="1" dirty="0" smtClean="0"/>
-              <a:t>condition</a:t>
-            </a:r>
-            <a:endParaRPr lang="en-US" altLang="zh-CN" sz="2000" b="1" dirty="0"/>
-          </a:p>
-          <a:p>
-            <a:r>
-              <a:rPr lang="en-US" altLang="zh-CN" sz="2000" b="1" dirty="0" smtClean="0"/>
-              <a:t>0.75e</a:t>
-            </a:r>
+              <a:t>the average ξ was 3.06e−3 (SD = 1.52e−3) for the dynamic path planning condition</a:t>
+            </a:r>
+          </a:p>
+          <a:p>
             <a:r>
               <a:rPr lang="en-US" altLang="zh-CN" sz="2000" b="1" dirty="0"/>
-              <a:t>−3 (SD = 2.12e−3) for the corresponding simulated S2C</a:t>
+              <a:t>0.75e−3 (SD = 2.12e−3) for the corresponding simulated S2C</a:t>
             </a:r>
             <a:endParaRPr lang="zh-CN" altLang="en-US" sz="2000" b="1" dirty="0"/>
           </a:p>
@@ -8048,13 +7730,6 @@
   <p:clrMapOvr>
     <a:masterClrMapping/>
   </p:clrMapOvr>
-  <p:timing>
-    <p:tnLst>
-      <p:par>
-        <p:cTn id="1" dur="indefinite" restart="never" nodeType="tmRoot"/>
-      </p:par>
-    </p:tnLst>
-  </p:timing>
 </p:sld>
 </file>
 
@@ -8091,7 +7766,7 @@
           <a:lstStyle/>
           <a:p>
             <a:r>
-              <a:rPr lang="en-US" altLang="zh-CN" dirty="0" smtClean="0"/>
+              <a:rPr lang="en-US" altLang="zh-CN" dirty="0"/>
               <a:t>5.FUTURE WORK</a:t>
             </a:r>
             <a:endParaRPr lang="zh-CN" altLang="en-US" dirty="0"/>
@@ -8115,57 +7790,25 @@
           <a:p>
             <a:r>
               <a:rPr lang="en-US" altLang="zh-CN" dirty="0"/>
-              <a:t>robotics and artificial intelligence fields may be </a:t>
-            </a:r>
-            <a:r>
-              <a:rPr lang="en-US" altLang="zh-CN" dirty="0" smtClean="0"/>
-              <a:t>adapted to </a:t>
-            </a:r>
+              <a:t>robotics and artificial intelligence fields may be adapted to the redirection planning approach</a:t>
+            </a:r>
+          </a:p>
+          <a:p>
             <a:r>
               <a:rPr lang="en-US" altLang="zh-CN" dirty="0"/>
-              <a:t>the redirection planning </a:t>
-            </a:r>
-            <a:r>
-              <a:rPr lang="en-US" altLang="zh-CN" dirty="0" smtClean="0"/>
-              <a:t>approach</a:t>
+              <a:t>plan to investigate whether translational gain can be incorporated into the optimization while maintaining real-time performance.</a:t>
             </a:r>
           </a:p>
           <a:p>
             <a:r>
               <a:rPr lang="en-US" altLang="zh-CN" dirty="0"/>
-              <a:t>plan to investigate whether translational gain can be </a:t>
-            </a:r>
-            <a:r>
-              <a:rPr lang="en-US" altLang="zh-CN" dirty="0" smtClean="0"/>
-              <a:t>incorporated into </a:t>
-            </a:r>
+              <a:t>additional forms of distractors</a:t>
+            </a:r>
+          </a:p>
+          <a:p>
             <a:r>
               <a:rPr lang="en-US" altLang="zh-CN" dirty="0"/>
-              <a:t>the optimization while </a:t>
-            </a:r>
-            <a:r>
-              <a:rPr lang="en-US" altLang="zh-CN" dirty="0" smtClean="0"/>
-              <a:t>maintaining real-time performance.</a:t>
-            </a:r>
-          </a:p>
-          <a:p>
-            <a:r>
-              <a:rPr lang="en-US" altLang="zh-CN" dirty="0"/>
-              <a:t>additional </a:t>
-            </a:r>
-            <a:r>
-              <a:rPr lang="en-US" altLang="zh-CN" dirty="0" smtClean="0"/>
-              <a:t>forms of distractors</a:t>
-            </a:r>
-          </a:p>
-          <a:p>
-            <a:r>
-              <a:rPr lang="en-US" altLang="zh-CN" dirty="0" smtClean="0"/>
-              <a:t>Tuning </a:t>
-            </a:r>
-            <a:r>
-              <a:rPr lang="en-US" altLang="zh-CN" dirty="0"/>
-              <a:t>the system for larger areas</a:t>
+              <a:t>Tuning the system for larger areas</a:t>
             </a:r>
             <a:endParaRPr lang="zh-CN" altLang="en-US" dirty="0"/>
           </a:p>
@@ -8181,13 +7824,6 @@
   <p:clrMapOvr>
     <a:masterClrMapping/>
   </p:clrMapOvr>
-  <p:timing>
-    <p:tnLst>
-      <p:par>
-        <p:cTn id="1" dur="indefinite" restart="never" nodeType="tmRoot"/>
-      </p:par>
-    </p:tnLst>
-  </p:timing>
 </p:sld>
 </file>
 
@@ -8226,7 +7862,7 @@
           <a:lstStyle/>
           <a:p>
             <a:r>
-              <a:rPr lang="en-US" altLang="zh-CN" dirty="0" smtClean="0"/>
+              <a:rPr lang="en-US" altLang="zh-CN" dirty="0"/>
               <a:t>CONTENTS</a:t>
             </a:r>
             <a:endParaRPr lang="zh-CN" altLang="en-US" dirty="0"/>
@@ -8253,7 +7889,7 @@
               <a:buAutoNum type="arabicPeriod"/>
             </a:pPr>
             <a:r>
-              <a:rPr lang="en-US" altLang="zh-CN" dirty="0" smtClean="0"/>
+              <a:rPr lang="en-US" altLang="zh-CN" dirty="0"/>
               <a:t>INTRUDUCTION</a:t>
             </a:r>
           </a:p>
@@ -8263,7 +7899,7 @@
               <a:buAutoNum type="arabicPeriod"/>
             </a:pPr>
             <a:r>
-              <a:rPr lang="en-US" altLang="zh-CN" dirty="0" smtClean="0"/>
+              <a:rPr lang="en-US" altLang="zh-CN" dirty="0"/>
               <a:t>RELATED WORK</a:t>
             </a:r>
           </a:p>
@@ -8273,7 +7909,7 @@
               <a:buAutoNum type="arabicPeriod"/>
             </a:pPr>
             <a:r>
-              <a:rPr lang="en-US" altLang="zh-CN" dirty="0" smtClean="0"/>
+              <a:rPr lang="en-US" altLang="zh-CN" dirty="0"/>
               <a:t>METHOD</a:t>
             </a:r>
           </a:p>
@@ -8283,7 +7919,7 @@
               <a:buAutoNum type="arabicPeriod"/>
             </a:pPr>
             <a:r>
-              <a:rPr lang="en-US" altLang="zh-CN" dirty="0" smtClean="0"/>
+              <a:rPr lang="en-US" altLang="zh-CN" dirty="0"/>
               <a:t>EVALUATION</a:t>
             </a:r>
           </a:p>
@@ -8293,7 +7929,7 @@
               <a:buAutoNum type="arabicPeriod"/>
             </a:pPr>
             <a:r>
-              <a:rPr lang="en-US" altLang="zh-CN" dirty="0" smtClean="0"/>
+              <a:rPr lang="en-US" altLang="zh-CN" dirty="0"/>
               <a:t>FUTURE WORK</a:t>
             </a:r>
             <a:endParaRPr lang="zh-CN" altLang="en-US" dirty="0"/>
@@ -8310,13 +7946,6 @@
   <p:clrMapOvr>
     <a:masterClrMapping/>
   </p:clrMapOvr>
-  <p:timing>
-    <p:tnLst>
-      <p:par>
-        <p:cTn id="1" dur="indefinite" restart="never" nodeType="tmRoot"/>
-      </p:par>
-    </p:tnLst>
-  </p:timing>
 </p:sld>
 </file>
 
@@ -8363,7 +7992,7 @@
               <a:buNone/>
             </a:pPr>
             <a:r>
-              <a:rPr lang="en-US" altLang="zh-CN" sz="13800" dirty="0" smtClean="0"/>
+              <a:rPr lang="en-US" altLang="zh-CN" sz="13800" dirty="0"/>
               <a:t>THANKS</a:t>
             </a:r>
             <a:endParaRPr lang="zh-CN" altLang="en-US" sz="13800" dirty="0"/>
@@ -8380,13 +8009,6 @@
   <p:clrMapOvr>
     <a:masterClrMapping/>
   </p:clrMapOvr>
-  <p:timing>
-    <p:tnLst>
-      <p:par>
-        <p:cTn id="1" dur="indefinite" restart="never" nodeType="tmRoot"/>
-      </p:par>
-    </p:tnLst>
-  </p:timing>
 </p:sld>
 </file>
 
@@ -8425,7 +8047,7 @@
           <a:lstStyle/>
           <a:p>
             <a:r>
-              <a:rPr lang="en-US" altLang="zh-CN" dirty="0" smtClean="0"/>
+              <a:rPr lang="en-US" altLang="zh-CN" dirty="0"/>
               <a:t>1. INTRUDUCTION</a:t>
             </a:r>
             <a:endParaRPr lang="zh-CN" altLang="en-US" dirty="0"/>
@@ -8524,11 +8146,7 @@
             </a:pPr>
             <a:r>
               <a:rPr lang="en-US" altLang="zh-CN" dirty="0"/>
-              <a:t>An </a:t>
-            </a:r>
-            <a:r>
-              <a:rPr lang="en-US" altLang="zh-CN" dirty="0" smtClean="0"/>
-              <a:t>end-to-end redirected walking system</a:t>
+              <a:t>An end-to-end redirected walking system</a:t>
             </a:r>
           </a:p>
           <a:p>
@@ -8538,11 +8156,7 @@
             </a:pPr>
             <a:r>
               <a:rPr lang="en-US" altLang="zh-CN" dirty="0"/>
-              <a:t>A real-time path planning </a:t>
-            </a:r>
-            <a:r>
-              <a:rPr lang="en-US" altLang="zh-CN" dirty="0" smtClean="0"/>
-              <a:t>algorithm</a:t>
+              <a:t>A real-time path planning algorithm</a:t>
             </a:r>
           </a:p>
           <a:p>
@@ -8551,16 +8165,8 @@
               <a:buChar char="•"/>
             </a:pPr>
             <a:r>
-              <a:rPr lang="en-US" altLang="zh-CN" dirty="0" smtClean="0"/>
-              <a:t>subtle </a:t>
-            </a:r>
-            <a:r>
               <a:rPr lang="en-US" altLang="zh-CN" dirty="0"/>
-              <a:t>gaze direction (SGD) </a:t>
-            </a:r>
-            <a:r>
-              <a:rPr lang="en-US" altLang="zh-CN" dirty="0" smtClean="0"/>
-              <a:t>methods</a:t>
+              <a:t>subtle gaze direction (SGD) methods</a:t>
             </a:r>
           </a:p>
           <a:p>
@@ -8586,13 +8192,6 @@
   <p:clrMapOvr>
     <a:masterClrMapping/>
   </p:clrMapOvr>
-  <p:timing>
-    <p:tnLst>
-      <p:par>
-        <p:cTn id="1" dur="indefinite" restart="never" nodeType="tmRoot"/>
-      </p:par>
-    </p:tnLst>
-  </p:timing>
 </p:sld>
 </file>
 
@@ -8629,7 +8228,7 @@
           <a:lstStyle/>
           <a:p>
             <a:r>
-              <a:rPr lang="en-US" altLang="zh-CN" dirty="0" smtClean="0"/>
+              <a:rPr lang="en-US" altLang="zh-CN" dirty="0"/>
               <a:t>2.RELATED WORK</a:t>
             </a:r>
             <a:endParaRPr lang="zh-CN" altLang="en-US" dirty="0"/>
@@ -8654,118 +8253,57 @@
           <a:lstStyle/>
           <a:p>
             <a:r>
-              <a:rPr lang="en-US" altLang="zh-CN" dirty="0" smtClean="0"/>
+              <a:rPr lang="en-US" altLang="zh-CN" dirty="0"/>
               <a:t>Saccade</a:t>
             </a:r>
             <a:r>
               <a:rPr lang="en-US" altLang="zh-CN" dirty="0">
                 <a:sym typeface="Wingdings" pitchFamily="2" charset="2"/>
               </a:rPr>
-              <a:t>: rapid eye movement that occurs when we </a:t>
-            </a:r>
-            <a:r>
-              <a:rPr lang="en-US" altLang="zh-CN" dirty="0" smtClean="0">
-                <a:sym typeface="Wingdings" pitchFamily="2" charset="2"/>
-              </a:rPr>
-              <a:t>change fixation </a:t>
-            </a:r>
+              <a:t>: rapid eye movement that occurs when we change fixation points</a:t>
+            </a:r>
+          </a:p>
+          <a:p>
+            <a:pPr marL="0" indent="0">
+              <a:buNone/>
+            </a:pPr>
             <a:r>
               <a:rPr lang="en-US" altLang="zh-CN" dirty="0">
                 <a:sym typeface="Wingdings" pitchFamily="2" charset="2"/>
               </a:rPr>
-              <a:t>points</a:t>
-            </a:r>
-          </a:p>
-          <a:p>
-            <a:pPr marL="0" indent="0">
-              <a:buNone/>
-            </a:pPr>
-            <a:r>
-              <a:rPr lang="en-US" altLang="zh-CN" dirty="0" smtClean="0">
-                <a:sym typeface="Wingdings" pitchFamily="2" charset="2"/>
-              </a:rPr>
-              <a:t>	</a:t>
-            </a:r>
-            <a:r>
-              <a:rPr lang="en-US" altLang="zh-CN" dirty="0">
-                <a:sym typeface="Wingdings" pitchFamily="2" charset="2"/>
-              </a:rPr>
-              <a:t>(</a:t>
-            </a:r>
-            <a:r>
-              <a:rPr lang="en-US" altLang="zh-CN" dirty="0" smtClean="0">
-                <a:sym typeface="Wingdings" pitchFamily="2" charset="2"/>
-              </a:rPr>
-              <a:t>speed up to </a:t>
-            </a:r>
-            <a:r>
-              <a:rPr lang="en-US" altLang="zh-CN" dirty="0" smtClean="0"/>
-              <a:t>900 </a:t>
+              <a:t>	(speed up to </a:t>
             </a:r>
             <a:r>
               <a:rPr lang="en-US" altLang="zh-CN" dirty="0"/>
-              <a:t>◦/</a:t>
-            </a:r>
-            <a:r>
-              <a:rPr lang="en-US" altLang="zh-CN" dirty="0" smtClean="0"/>
-              <a:t>sec </a:t>
+              <a:t>900 ◦/sec long 20–200 </a:t>
+            </a:r>
+            <a:r>
+              <a:rPr lang="en-US" altLang="zh-CN" dirty="0" err="1"/>
+              <a:t>ms</a:t>
             </a:r>
             <a:r>
               <a:rPr lang="en-US" altLang="zh-CN" dirty="0"/>
-              <a:t>long </a:t>
-            </a:r>
-            <a:r>
-              <a:rPr lang="en-US" altLang="zh-CN" dirty="0" smtClean="0"/>
-              <a:t>20–200 </a:t>
-            </a:r>
-            <a:r>
-              <a:rPr lang="en-US" altLang="zh-CN" dirty="0" err="1" smtClean="0"/>
-              <a:t>ms</a:t>
-            </a:r>
-            <a:r>
-              <a:rPr lang="en-US" altLang="zh-CN" dirty="0" smtClean="0"/>
               <a:t> )</a:t>
             </a:r>
           </a:p>
           <a:p>
             <a:r>
-              <a:rPr lang="en-US" altLang="zh-CN" dirty="0" smtClean="0"/>
-              <a:t>Saccadic </a:t>
-            </a:r>
-            <a:r>
               <a:rPr lang="en-US" altLang="zh-CN" dirty="0"/>
-              <a:t>suppression: viewers </a:t>
-            </a:r>
-            <a:r>
-              <a:rPr lang="en-US" altLang="zh-CN" dirty="0" smtClean="0"/>
-              <a:t>are momentarily </a:t>
-            </a:r>
+              <a:t>Saccadic suppression: viewers are momentarily blind in a Saccade</a:t>
+            </a:r>
+          </a:p>
+          <a:p>
             <a:r>
               <a:rPr lang="en-US" altLang="zh-CN" dirty="0"/>
-              <a:t>blind in a Saccade</a:t>
-            </a:r>
-            <a:endParaRPr lang="en-US" altLang="zh-CN" dirty="0" smtClean="0"/>
-          </a:p>
-          <a:p>
-            <a:r>
-              <a:rPr lang="en-US" altLang="zh-CN" dirty="0" smtClean="0"/>
               <a:t>Subtle Gaze Direction</a:t>
             </a:r>
             <a:r>
-              <a:rPr lang="zh-CN" altLang="en-US" dirty="0" smtClean="0"/>
+              <a:rPr lang="zh-CN" altLang="en-US" dirty="0"/>
               <a:t>：</a:t>
             </a:r>
             <a:r>
               <a:rPr lang="en-US" altLang="zh-CN" dirty="0"/>
-              <a:t>uses image-space modulation to direct </a:t>
-            </a:r>
-            <a:r>
-              <a:rPr lang="en-US" altLang="zh-CN" dirty="0" smtClean="0"/>
-              <a:t>a viewer’s </a:t>
-            </a:r>
-            <a:r>
-              <a:rPr lang="en-US" altLang="zh-CN" dirty="0"/>
-              <a:t>gaze to a specific target</a:t>
+              <a:t>uses image-space modulation to direct a viewer’s gaze to a specific target</a:t>
             </a:r>
             <a:endParaRPr lang="zh-CN" altLang="en-US" dirty="0"/>
           </a:p>
@@ -8781,13 +8319,6 @@
   <p:clrMapOvr>
     <a:masterClrMapping/>
   </p:clrMapOvr>
-  <p:timing>
-    <p:tnLst>
-      <p:par>
-        <p:cTn id="1" dur="indefinite" restart="never" nodeType="tmRoot"/>
-      </p:par>
-    </p:tnLst>
-  </p:timing>
 </p:sld>
 </file>
 
@@ -8831,37 +8362,13 @@
           <a:p>
             <a:r>
               <a:rPr lang="en-US" altLang="zh-CN" dirty="0"/>
-              <a:t>proportion of frames </a:t>
-            </a:r>
-            <a:r>
-              <a:rPr lang="en-US" altLang="zh-CN" dirty="0" smtClean="0"/>
-              <a:t>with redirection </a:t>
-            </a:r>
+              <a:t>proportion of frames with redirection was approximately 11.40%</a:t>
+            </a:r>
+          </a:p>
+          <a:p>
             <a:r>
               <a:rPr lang="en-US" altLang="zh-CN" dirty="0"/>
-              <a:t>was approximately 11.40</a:t>
-            </a:r>
-            <a:r>
-              <a:rPr lang="en-US" altLang="zh-CN" dirty="0" smtClean="0"/>
-              <a:t>%</a:t>
-            </a:r>
-          </a:p>
-          <a:p>
-            <a:r>
-              <a:rPr lang="en-US" altLang="zh-CN" dirty="0" smtClean="0"/>
-              <a:t>1.4◦</a:t>
-            </a:r>
-            <a:r>
-              <a:rPr lang="en-US" altLang="zh-CN" dirty="0"/>
-              <a:t>/sec </a:t>
-            </a:r>
-            <a:r>
-              <a:rPr lang="en-US" altLang="zh-CN" dirty="0" smtClean="0"/>
-              <a:t>angular </a:t>
-            </a:r>
-            <a:r>
-              <a:rPr lang="en-US" altLang="zh-CN" dirty="0"/>
-              <a:t>gains</a:t>
+              <a:t>1.4◦/sec angular gains</a:t>
             </a:r>
             <a:endParaRPr lang="zh-CN" altLang="en-US" dirty="0"/>
           </a:p>
@@ -8890,11 +8397,7 @@
           <a:p>
             <a:r>
               <a:rPr lang="en-US" altLang="zh-CN" dirty="0"/>
-              <a:t>15.16% for </a:t>
-            </a:r>
-            <a:r>
-              <a:rPr lang="en-US" altLang="zh-CN" dirty="0" smtClean="0"/>
-              <a:t>Brookhaven</a:t>
+              <a:t>15.16% for Brookhaven</a:t>
             </a:r>
           </a:p>
           <a:p>
@@ -9017,13 +8520,6 @@
   <p:clrMapOvr>
     <a:masterClrMapping/>
   </p:clrMapOvr>
-  <p:timing>
-    <p:tnLst>
-      <p:par>
-        <p:cTn id="1" dur="indefinite" restart="never" nodeType="tmRoot"/>
-      </p:par>
-    </p:tnLst>
-  </p:timing>
 </p:sld>
 </file>
 
@@ -9131,7 +8627,7 @@
           <a:p>
             <a:pPr lvl="0"/>
             <a:r>
-              <a:rPr lang="en-US" altLang="zh-CN" sz="4400" dirty="0" smtClean="0">
+              <a:rPr lang="en-US" altLang="zh-CN" sz="4400" dirty="0">
                 <a:solidFill>
                   <a:prstClr val="black"/>
                 </a:solidFill>
@@ -9142,14 +8638,17 @@
           <a:p>
             <a:pPr lvl="0"/>
             <a:r>
-              <a:rPr lang="en-US" altLang="zh-CN" sz="2800" dirty="0" smtClean="0">
+              <a:rPr lang="en-US" altLang="zh-CN" sz="2800" dirty="0">
                 <a:solidFill>
                   <a:prstClr val="black"/>
                 </a:solidFill>
               </a:rPr>
               <a:t>Overview of approach</a:t>
             </a:r>
-            <a:endParaRPr lang="en-US" altLang="zh-CN" sz="2800" dirty="0">
+          </a:p>
+          <a:p>
+            <a:pPr lvl="0"/>
+            <a:endParaRPr lang="en-US" altLang="zh-CN" sz="4400" dirty="0">
               <a:solidFill>
                 <a:prstClr val="black"/>
               </a:solidFill>
@@ -9157,15 +8656,7 @@
           </a:p>
           <a:p>
             <a:pPr lvl="0"/>
-            <a:endParaRPr lang="en-US" altLang="zh-CN" sz="4400" dirty="0" smtClean="0">
-              <a:solidFill>
-                <a:prstClr val="black"/>
-              </a:solidFill>
-            </a:endParaRPr>
-          </a:p>
-          <a:p>
-            <a:pPr lvl="0"/>
-            <a:endParaRPr lang="en-US" altLang="zh-CN" sz="4400" dirty="0" smtClean="0">
+            <a:endParaRPr lang="en-US" altLang="zh-CN" sz="4400" dirty="0">
               <a:solidFill>
                 <a:prstClr val="black"/>
               </a:solidFill>
@@ -9191,13 +8682,6 @@
   <p:clrMapOvr>
     <a:masterClrMapping/>
   </p:clrMapOvr>
-  <p:timing>
-    <p:tnLst>
-      <p:par>
-        <p:cTn id="1" dur="indefinite" restart="never" nodeType="tmRoot"/>
-      </p:par>
-    </p:tnLst>
-  </p:timing>
 </p:sld>
 </file>
 
@@ -9241,7 +8725,7 @@
           <a:p>
             <a:pPr lvl="0"/>
             <a:r>
-              <a:rPr lang="en-US" altLang="zh-CN" sz="4400" dirty="0" smtClean="0">
+              <a:rPr lang="en-US" altLang="zh-CN" sz="4400" dirty="0">
                 <a:solidFill>
                   <a:prstClr val="black"/>
                 </a:solidFill>
@@ -9252,14 +8736,17 @@
           <a:p>
             <a:pPr lvl="0"/>
             <a:r>
-              <a:rPr lang="en-US" altLang="zh-CN" sz="2800" dirty="0" smtClean="0">
+              <a:rPr lang="en-US" altLang="zh-CN" sz="2800" dirty="0">
                 <a:solidFill>
                   <a:prstClr val="black"/>
                 </a:solidFill>
               </a:rPr>
               <a:t>Overview of approach</a:t>
             </a:r>
-            <a:endParaRPr lang="en-US" altLang="zh-CN" sz="2800" dirty="0">
+          </a:p>
+          <a:p>
+            <a:pPr lvl="0"/>
+            <a:endParaRPr lang="en-US" altLang="zh-CN" sz="4400" dirty="0">
               <a:solidFill>
                 <a:prstClr val="black"/>
               </a:solidFill>
@@ -9267,15 +8754,7 @@
           </a:p>
           <a:p>
             <a:pPr lvl="0"/>
-            <a:endParaRPr lang="en-US" altLang="zh-CN" sz="4400" dirty="0" smtClean="0">
-              <a:solidFill>
-                <a:prstClr val="black"/>
-              </a:solidFill>
-            </a:endParaRPr>
-          </a:p>
-          <a:p>
-            <a:pPr lvl="0"/>
-            <a:endParaRPr lang="en-US" altLang="zh-CN" sz="4400" dirty="0" smtClean="0">
+            <a:endParaRPr lang="en-US" altLang="zh-CN" sz="4400" dirty="0">
               <a:solidFill>
                 <a:prstClr val="black"/>
               </a:solidFill>
@@ -9365,13 +8844,6 @@
   <p:clrMapOvr>
     <a:masterClrMapping/>
   </p:clrMapOvr>
-  <p:timing>
-    <p:tnLst>
-      <p:par>
-        <p:cTn id="1" dur="indefinite" restart="never" nodeType="tmRoot"/>
-      </p:par>
-    </p:tnLst>
-  </p:timing>
 </p:sld>
 </file>
 
@@ -9409,7 +8881,7 @@
           <a:p>
             <a:pPr algn="l"/>
             <a:r>
-              <a:rPr lang="en-US" altLang="zh-CN" dirty="0" smtClean="0"/>
+              <a:rPr lang="en-US" altLang="zh-CN" dirty="0"/>
               <a:t>3.METHOD</a:t>
             </a:r>
             <a:endParaRPr lang="zh-CN" altLang="en-US" dirty="0"/>
@@ -9570,21 +9042,7 @@
                 <a:latin typeface="Times New Roman" pitchFamily="18" charset="0"/>
                 <a:cs typeface="Times New Roman" pitchFamily="18" charset="0"/>
               </a:rPr>
-              <a:t>using an affine transformation M between the virtual and </a:t>
-            </a:r>
-            <a:r>
-              <a:rPr lang="en-US" altLang="zh-CN" sz="3200" dirty="0" smtClean="0">
-                <a:latin typeface="Times New Roman" pitchFamily="18" charset="0"/>
-                <a:cs typeface="Times New Roman" pitchFamily="18" charset="0"/>
-              </a:rPr>
-              <a:t>physical spaces</a:t>
-            </a:r>
-            <a:r>
-              <a:rPr lang="en-US" altLang="zh-CN" sz="3200" dirty="0">
-                <a:latin typeface="Times New Roman" pitchFamily="18" charset="0"/>
-                <a:cs typeface="Times New Roman" pitchFamily="18" charset="0"/>
-              </a:rPr>
-              <a:t>:</a:t>
+              <a:t>using an affine transformation M between the virtual and physical spaces:</a:t>
             </a:r>
             <a:endParaRPr lang="zh-CN" altLang="en-US" sz="3200" dirty="0">
               <a:latin typeface="Times New Roman" pitchFamily="18" charset="0"/>
@@ -9603,13 +9061,6 @@
   <p:clrMapOvr>
     <a:masterClrMapping/>
   </p:clrMapOvr>
-  <p:timing>
-    <p:tnLst>
-      <p:par>
-        <p:cTn id="1" dur="indefinite" restart="never" nodeType="tmRoot"/>
-      </p:par>
-    </p:tnLst>
-  </p:timing>
 </p:sld>
 </file>
 
@@ -9653,7 +9104,7 @@
           <a:p>
             <a:pPr lvl="0"/>
             <a:r>
-              <a:rPr lang="en-US" altLang="zh-CN" sz="4400" dirty="0" smtClean="0">
+              <a:rPr lang="en-US" altLang="zh-CN" sz="4400" dirty="0">
                 <a:solidFill>
                   <a:prstClr val="black"/>
                 </a:solidFill>
@@ -9661,14 +9112,14 @@
               <a:t>3.METHOD-</a:t>
             </a:r>
             <a:r>
-              <a:rPr lang="en-US" altLang="zh-CN" sz="3200" dirty="0" smtClean="0">
+              <a:rPr lang="en-US" altLang="zh-CN" sz="3200" dirty="0">
                 <a:solidFill>
                   <a:prstClr val="black"/>
                 </a:solidFill>
               </a:rPr>
               <a:t>Path Planning</a:t>
             </a:r>
-            <a:endParaRPr lang="en-US" altLang="zh-CN" sz="2800" dirty="0" smtClean="0">
+            <a:endParaRPr lang="en-US" altLang="zh-CN" sz="2800" dirty="0">
               <a:solidFill>
                 <a:prstClr val="black"/>
               </a:solidFill>
@@ -9699,7 +9150,7 @@
         </p:blipFill>
         <p:spPr bwMode="auto">
           <a:xfrm>
-            <a:off x="683568" y="4869160"/>
+            <a:off x="-86150" y="4797152"/>
             <a:ext cx="6302302" cy="1152128"/>
           </a:xfrm>
           <a:prstGeom prst="rect">
@@ -9827,7 +9278,7 @@
         </p:blipFill>
         <p:spPr bwMode="auto">
           <a:xfrm>
-            <a:off x="2577419" y="6021288"/>
+            <a:off x="1807701" y="6125740"/>
             <a:ext cx="2514600" cy="511175"/>
           </a:xfrm>
           <a:prstGeom prst="rect">
@@ -9868,6 +9319,36 @@
           </a:extLst>
         </p:spPr>
       </p:pic>
+      <p:pic>
+        <p:nvPicPr>
+          <p:cNvPr id="2" name="图片 1">
+            <a:extLst>
+              <a:ext uri="{FF2B5EF4-FFF2-40B4-BE49-F238E27FC236}">
+                <a16:creationId xmlns:a16="http://schemas.microsoft.com/office/drawing/2014/main" id="{C832DFB5-CE8E-489B-8ABD-91C9FA72DB56}"/>
+              </a:ext>
+            </a:extLst>
+          </p:cNvPr>
+          <p:cNvPicPr>
+            <a:picLocks noChangeAspect="1"/>
+          </p:cNvPicPr>
+          <p:nvPr/>
+        </p:nvPicPr>
+        <p:blipFill>
+          <a:blip r:embed="rId6"/>
+          <a:stretch>
+            <a:fillRect/>
+          </a:stretch>
+        </p:blipFill>
+        <p:spPr>
+          <a:xfrm>
+            <a:off x="6228184" y="4509120"/>
+            <a:ext cx="2636982" cy="2160240"/>
+          </a:xfrm>
+          <a:prstGeom prst="rect">
+            <a:avLst/>
+          </a:prstGeom>
+        </p:spPr>
+      </p:pic>
     </p:spTree>
     <p:extLst>
       <p:ext uri="{BB962C8B-B14F-4D97-AF65-F5344CB8AC3E}">
@@ -9878,13 +9359,6 @@
   <p:clrMapOvr>
     <a:masterClrMapping/>
   </p:clrMapOvr>
-  <p:timing>
-    <p:tnLst>
-      <p:par>
-        <p:cTn id="1" dur="indefinite" restart="never" nodeType="tmRoot"/>
-      </p:par>
-    </p:tnLst>
-  </p:timing>
 </p:sld>
 </file>
 
